--- a/Documentation/Tutorials/NeuroDOT_Tutorial_Getting_Started.pptx
+++ b/Documentation/Tutorials/NeuroDOT_Tutorial_Getting_Started.pptx
@@ -10,13 +10,16 @@
     <p:sldId id="292" r:id="rId4"/>
     <p:sldId id="290" r:id="rId5"/>
     <p:sldId id="257" r:id="rId6"/>
-    <p:sldId id="286" r:id="rId7"/>
-    <p:sldId id="287" r:id="rId8"/>
-    <p:sldId id="295" r:id="rId9"/>
-    <p:sldId id="285" r:id="rId10"/>
-    <p:sldId id="296" r:id="rId11"/>
-    <p:sldId id="279" r:id="rId12"/>
-    <p:sldId id="282" r:id="rId13"/>
+    <p:sldId id="297" r:id="rId7"/>
+    <p:sldId id="298" r:id="rId8"/>
+    <p:sldId id="293" r:id="rId9"/>
+    <p:sldId id="286" r:id="rId10"/>
+    <p:sldId id="287" r:id="rId11"/>
+    <p:sldId id="295" r:id="rId12"/>
+    <p:sldId id="285" r:id="rId13"/>
+    <p:sldId id="296" r:id="rId14"/>
+    <p:sldId id="279" r:id="rId15"/>
+    <p:sldId id="282" r:id="rId16"/>
   </p:sldIdLst>
   <p:sldSz cx="12192000" cy="6858000"/>
   <p:notesSz cx="6858000" cy="9144000"/>
@@ -254,7 +257,7 @@
           <a:p>
             <a:fld id="{162AC784-C7BB-45CE-AB0D-139C9E5F95B5}" type="datetimeFigureOut">
               <a:rPr lang="en-US" smtClean="0"/>
-              <a:t>4/21/2022</a:t>
+              <a:t>7/20/2023</a:t>
             </a:fld>
             <a:endParaRPr lang="en-US"/>
           </a:p>
@@ -424,7 +427,7 @@
           <a:p>
             <a:fld id="{162AC784-C7BB-45CE-AB0D-139C9E5F95B5}" type="datetimeFigureOut">
               <a:rPr lang="en-US" smtClean="0"/>
-              <a:t>4/21/2022</a:t>
+              <a:t>7/20/2023</a:t>
             </a:fld>
             <a:endParaRPr lang="en-US"/>
           </a:p>
@@ -604,7 +607,7 @@
           <a:p>
             <a:fld id="{162AC784-C7BB-45CE-AB0D-139C9E5F95B5}" type="datetimeFigureOut">
               <a:rPr lang="en-US" smtClean="0"/>
-              <a:t>4/21/2022</a:t>
+              <a:t>7/20/2023</a:t>
             </a:fld>
             <a:endParaRPr lang="en-US"/>
           </a:p>
@@ -774,7 +777,7 @@
           <a:p>
             <a:fld id="{162AC784-C7BB-45CE-AB0D-139C9E5F95B5}" type="datetimeFigureOut">
               <a:rPr lang="en-US" smtClean="0"/>
-              <a:t>4/21/2022</a:t>
+              <a:t>7/20/2023</a:t>
             </a:fld>
             <a:endParaRPr lang="en-US"/>
           </a:p>
@@ -1020,7 +1023,7 @@
           <a:p>
             <a:fld id="{162AC784-C7BB-45CE-AB0D-139C9E5F95B5}" type="datetimeFigureOut">
               <a:rPr lang="en-US" smtClean="0"/>
-              <a:t>4/21/2022</a:t>
+              <a:t>7/20/2023</a:t>
             </a:fld>
             <a:endParaRPr lang="en-US"/>
           </a:p>
@@ -1252,7 +1255,7 @@
           <a:p>
             <a:fld id="{162AC784-C7BB-45CE-AB0D-139C9E5F95B5}" type="datetimeFigureOut">
               <a:rPr lang="en-US" smtClean="0"/>
-              <a:t>4/21/2022</a:t>
+              <a:t>7/20/2023</a:t>
             </a:fld>
             <a:endParaRPr lang="en-US"/>
           </a:p>
@@ -1619,7 +1622,7 @@
           <a:p>
             <a:fld id="{162AC784-C7BB-45CE-AB0D-139C9E5F95B5}" type="datetimeFigureOut">
               <a:rPr lang="en-US" smtClean="0"/>
-              <a:t>4/21/2022</a:t>
+              <a:t>7/20/2023</a:t>
             </a:fld>
             <a:endParaRPr lang="en-US"/>
           </a:p>
@@ -1737,7 +1740,7 @@
           <a:p>
             <a:fld id="{162AC784-C7BB-45CE-AB0D-139C9E5F95B5}" type="datetimeFigureOut">
               <a:rPr lang="en-US" smtClean="0"/>
-              <a:t>4/21/2022</a:t>
+              <a:t>7/20/2023</a:t>
             </a:fld>
             <a:endParaRPr lang="en-US"/>
           </a:p>
@@ -1832,7 +1835,7 @@
           <a:p>
             <a:fld id="{162AC784-C7BB-45CE-AB0D-139C9E5F95B5}" type="datetimeFigureOut">
               <a:rPr lang="en-US" smtClean="0"/>
-              <a:t>4/21/2022</a:t>
+              <a:t>7/20/2023</a:t>
             </a:fld>
             <a:endParaRPr lang="en-US"/>
           </a:p>
@@ -2109,7 +2112,7 @@
           <a:p>
             <a:fld id="{162AC784-C7BB-45CE-AB0D-139C9E5F95B5}" type="datetimeFigureOut">
               <a:rPr lang="en-US" smtClean="0"/>
-              <a:t>4/21/2022</a:t>
+              <a:t>7/20/2023</a:t>
             </a:fld>
             <a:endParaRPr lang="en-US"/>
           </a:p>
@@ -2366,7 +2369,7 @@
           <a:p>
             <a:fld id="{162AC784-C7BB-45CE-AB0D-139C9E5F95B5}" type="datetimeFigureOut">
               <a:rPr lang="en-US" smtClean="0"/>
-              <a:t>4/21/2022</a:t>
+              <a:t>7/20/2023</a:t>
             </a:fld>
             <a:endParaRPr lang="en-US"/>
           </a:p>
@@ -2579,7 +2582,7 @@
           <a:p>
             <a:fld id="{162AC784-C7BB-45CE-AB0D-139C9E5F95B5}" type="datetimeFigureOut">
               <a:rPr lang="en-US" smtClean="0"/>
-              <a:t>4/21/2022</a:t>
+              <a:t>7/20/2023</a:t>
             </a:fld>
             <a:endParaRPr lang="en-US"/>
           </a:p>
@@ -3122,6 +3125,702 @@
           <p:cNvPr id="2" name="Title 1">
             <a:extLst>
               <a:ext uri="{FF2B5EF4-FFF2-40B4-BE49-F238E27FC236}">
+                <a16:creationId xmlns:a16="http://schemas.microsoft.com/office/drawing/2014/main" id="{A603A3EB-3B20-45A8-AED1-CA32D75CF03F}"/>
+              </a:ext>
+            </a:extLst>
+          </p:cNvPr>
+          <p:cNvSpPr>
+            <a:spLocks noGrp="1"/>
+          </p:cNvSpPr>
+          <p:nvPr>
+            <p:ph type="title"/>
+          </p:nvPr>
+        </p:nvSpPr>
+        <p:spPr/>
+        <p:txBody>
+          <a:bodyPr/>
+          <a:lstStyle/>
+          <a:p>
+            <a:r>
+              <a:rPr lang="en-US">
+                <a:solidFill>
+                  <a:srgbClr val="FF0000"/>
+                </a:solidFill>
+                <a:latin typeface="Trebuchet MS" panose="020B0603020202020204" pitchFamily="34" charset="0"/>
+              </a:rPr>
+              <a:t>How to Run </a:t>
+            </a:r>
+            <a:r>
+              <a:rPr lang="en-US" dirty="0">
+                <a:solidFill>
+                  <a:srgbClr val="FF0000"/>
+                </a:solidFill>
+                <a:latin typeface="Trebuchet MS" panose="020B0603020202020204" pitchFamily="34" charset="0"/>
+              </a:rPr>
+              <a:t>Through </a:t>
+            </a:r>
+            <a:r>
+              <a:rPr lang="en-US">
+                <a:solidFill>
+                  <a:srgbClr val="FF0000"/>
+                </a:solidFill>
+                <a:latin typeface="Trebuchet MS" panose="020B0603020202020204" pitchFamily="34" charset="0"/>
+              </a:rPr>
+              <a:t>a Tutorial</a:t>
+            </a:r>
+            <a:endParaRPr lang="en-US" dirty="0">
+              <a:solidFill>
+                <a:srgbClr val="FF0000"/>
+              </a:solidFill>
+              <a:latin typeface="Trebuchet MS" panose="020B0603020202020204" pitchFamily="34" charset="0"/>
+            </a:endParaRPr>
+          </a:p>
+        </p:txBody>
+      </p:sp>
+      <p:sp>
+        <p:nvSpPr>
+          <p:cNvPr id="3" name="Content Placeholder 2">
+            <a:extLst>
+              <a:ext uri="{FF2B5EF4-FFF2-40B4-BE49-F238E27FC236}">
+                <a16:creationId xmlns:a16="http://schemas.microsoft.com/office/drawing/2014/main" id="{48882026-6D37-4B83-B113-C005E89C2C63}"/>
+              </a:ext>
+            </a:extLst>
+          </p:cNvPr>
+          <p:cNvSpPr>
+            <a:spLocks noGrp="1"/>
+          </p:cNvSpPr>
+          <p:nvPr>
+            <p:ph idx="1"/>
+          </p:nvPr>
+        </p:nvSpPr>
+        <p:spPr>
+          <a:xfrm>
+            <a:off x="838200" y="1825625"/>
+            <a:ext cx="10515600" cy="4667250"/>
+          </a:xfrm>
+        </p:spPr>
+        <p:txBody>
+          <a:bodyPr>
+            <a:normAutofit fontScale="92500" lnSpcReduction="20000"/>
+          </a:bodyPr>
+          <a:lstStyle/>
+          <a:p>
+            <a:r>
+              <a:rPr lang="en-US" dirty="0">
+                <a:latin typeface="Trebuchet MS" panose="020B0603020202020204" pitchFamily="34" charset="0"/>
+              </a:rPr>
+              <a:t>Two Methods</a:t>
+            </a:r>
+          </a:p>
+          <a:p>
+            <a:pPr marL="914400" lvl="1" indent="-457200">
+              <a:buFont typeface="+mj-lt"/>
+              <a:buAutoNum type="arabicPeriod"/>
+            </a:pPr>
+            <a:r>
+              <a:rPr lang="en-US" dirty="0">
+                <a:latin typeface="Trebuchet MS" panose="020B0603020202020204" pitchFamily="34" charset="0"/>
+              </a:rPr>
+              <a:t>Highlight and Evaluate individual lines or sections of code</a:t>
+            </a:r>
+          </a:p>
+          <a:p>
+            <a:pPr marL="914400" lvl="1" indent="-457200">
+              <a:buFont typeface="+mj-lt"/>
+              <a:buAutoNum type="arabicPeriod"/>
+            </a:pPr>
+            <a:r>
+              <a:rPr lang="en-US" dirty="0">
+                <a:latin typeface="Trebuchet MS" panose="020B0603020202020204" pitchFamily="34" charset="0"/>
+              </a:rPr>
+              <a:t>Set Breakpoints and run the script, continuing after each breakpoint</a:t>
+            </a:r>
+          </a:p>
+          <a:p>
+            <a:r>
+              <a:rPr lang="en-US" dirty="0">
+                <a:latin typeface="Trebuchet MS" panose="020B0603020202020204" pitchFamily="34" charset="0"/>
+              </a:rPr>
+              <a:t>Which one is better?</a:t>
+            </a:r>
+          </a:p>
+          <a:p>
+            <a:pPr lvl="1"/>
+            <a:r>
+              <a:rPr lang="en-US" dirty="0">
+                <a:latin typeface="Trebuchet MS" panose="020B0603020202020204" pitchFamily="34" charset="0"/>
+              </a:rPr>
+              <a:t>It really depends on you</a:t>
+            </a:r>
+          </a:p>
+          <a:p>
+            <a:pPr lvl="1"/>
+            <a:r>
+              <a:rPr lang="en-US" dirty="0">
+                <a:latin typeface="Trebuchet MS" panose="020B0603020202020204" pitchFamily="34" charset="0"/>
+              </a:rPr>
+              <a:t>From a new MATLAB user standpoint, highlighting and evaluating is easiest</a:t>
+            </a:r>
+          </a:p>
+          <a:p>
+            <a:pPr lvl="2"/>
+            <a:r>
+              <a:rPr lang="en-US" dirty="0">
+                <a:latin typeface="Trebuchet MS" panose="020B0603020202020204" pitchFamily="34" charset="0"/>
+              </a:rPr>
+              <a:t>Many scripts in the lab are set up based on this method</a:t>
+            </a:r>
+          </a:p>
+          <a:p>
+            <a:pPr lvl="2"/>
+            <a:r>
+              <a:rPr lang="en-US" dirty="0">
+                <a:latin typeface="Trebuchet MS" panose="020B0603020202020204" pitchFamily="34" charset="0"/>
+              </a:rPr>
+              <a:t>Useful for when you want to execute a single line of code that does something important </a:t>
+            </a:r>
+          </a:p>
+          <a:p>
+            <a:pPr lvl="3"/>
+            <a:r>
+              <a:rPr lang="en-US" dirty="0">
+                <a:latin typeface="Trebuchet MS" panose="020B0603020202020204" pitchFamily="34" charset="0"/>
+              </a:rPr>
+              <a:t>Ex: create a figure, load in a file, run an analysis function</a:t>
+            </a:r>
+          </a:p>
+          <a:p>
+            <a:pPr lvl="1"/>
+            <a:r>
+              <a:rPr lang="en-US" dirty="0">
+                <a:latin typeface="Trebuchet MS" panose="020B0603020202020204" pitchFamily="34" charset="0"/>
+              </a:rPr>
+              <a:t>From a top-down debugging standpoint, setting breakpoints is best</a:t>
+            </a:r>
+          </a:p>
+          <a:p>
+            <a:pPr lvl="2"/>
+            <a:r>
+              <a:rPr lang="en-US" dirty="0">
+                <a:latin typeface="Trebuchet MS" panose="020B0603020202020204" pitchFamily="34" charset="0"/>
+              </a:rPr>
+              <a:t>Breakpoints allow for you to pause the code at specific lines where errors occur, and even skip those lines if you want to see if the rest of your code runs fine without that one line</a:t>
+            </a:r>
+          </a:p>
+          <a:p>
+            <a:pPr lvl="2"/>
+            <a:r>
+              <a:rPr lang="en-US" dirty="0">
+                <a:latin typeface="Trebuchet MS" panose="020B0603020202020204" pitchFamily="34" charset="0"/>
+              </a:rPr>
+              <a:t>They are more useful for debugging, but is still helpful for running the tutorials step by step</a:t>
+            </a:r>
+          </a:p>
+          <a:p>
+            <a:pPr lvl="2"/>
+            <a:endParaRPr lang="en-US" dirty="0">
+              <a:solidFill>
+                <a:srgbClr val="FF0000"/>
+              </a:solidFill>
+              <a:latin typeface="Trebuchet MS" panose="020B0603020202020204" pitchFamily="34" charset="0"/>
+            </a:endParaRPr>
+          </a:p>
+        </p:txBody>
+      </p:sp>
+    </p:spTree>
+    <p:extLst>
+      <p:ext uri="{BB962C8B-B14F-4D97-AF65-F5344CB8AC3E}">
+        <p14:creationId xmlns:p14="http://schemas.microsoft.com/office/powerpoint/2010/main" val="4427124"/>
+      </p:ext>
+    </p:extLst>
+  </p:cSld>
+  <p:clrMapOvr>
+    <a:masterClrMapping/>
+  </p:clrMapOvr>
+</p:sld>
+</file>
+
+<file path=ppt/slides/slide11.xml><?xml version="1.0" encoding="utf-8"?>
+<p:sld xmlns:a="http://schemas.openxmlformats.org/drawingml/2006/main" xmlns:r="http://schemas.openxmlformats.org/officeDocument/2006/relationships" xmlns:p="http://schemas.openxmlformats.org/presentationml/2006/main">
+  <p:cSld>
+    <p:spTree>
+      <p:nvGrpSpPr>
+        <p:cNvPr id="1" name=""/>
+        <p:cNvGrpSpPr/>
+        <p:nvPr/>
+      </p:nvGrpSpPr>
+      <p:grpSpPr>
+        <a:xfrm>
+          <a:off x="0" y="0"/>
+          <a:ext cx="0" cy="0"/>
+          <a:chOff x="0" y="0"/>
+          <a:chExt cx="0" cy="0"/>
+        </a:xfrm>
+      </p:grpSpPr>
+      <p:sp>
+        <p:nvSpPr>
+          <p:cNvPr id="2" name="Title 1">
+            <a:extLst>
+              <a:ext uri="{FF2B5EF4-FFF2-40B4-BE49-F238E27FC236}">
+                <a16:creationId xmlns:a16="http://schemas.microsoft.com/office/drawing/2014/main" id="{D589A0C6-8B08-433C-856C-D9EF3FB3088B}"/>
+              </a:ext>
+            </a:extLst>
+          </p:cNvPr>
+          <p:cNvSpPr>
+            <a:spLocks noGrp="1"/>
+          </p:cNvSpPr>
+          <p:nvPr>
+            <p:ph type="title"/>
+          </p:nvPr>
+        </p:nvSpPr>
+        <p:spPr>
+          <a:xfrm>
+            <a:off x="838200" y="365125"/>
+            <a:ext cx="10769600" cy="1325563"/>
+          </a:xfrm>
+        </p:spPr>
+        <p:txBody>
+          <a:bodyPr/>
+          <a:lstStyle/>
+          <a:p>
+            <a:r>
+              <a:rPr lang="en-US" dirty="0">
+                <a:solidFill>
+                  <a:srgbClr val="FF0000"/>
+                </a:solidFill>
+                <a:latin typeface="Trebuchet MS" panose="020B0603020202020204" pitchFamily="34" charset="0"/>
+              </a:rPr>
+              <a:t>How to Evaluate Lines or Sections of Code</a:t>
+            </a:r>
+          </a:p>
+        </p:txBody>
+      </p:sp>
+      <p:sp>
+        <p:nvSpPr>
+          <p:cNvPr id="3" name="Content Placeholder 2">
+            <a:extLst>
+              <a:ext uri="{FF2B5EF4-FFF2-40B4-BE49-F238E27FC236}">
+                <a16:creationId xmlns:a16="http://schemas.microsoft.com/office/drawing/2014/main" id="{A3CDF004-9D99-4D98-8AD5-63DED3CE0F12}"/>
+              </a:ext>
+            </a:extLst>
+          </p:cNvPr>
+          <p:cNvSpPr>
+            <a:spLocks noGrp="1"/>
+          </p:cNvSpPr>
+          <p:nvPr>
+            <p:ph idx="1"/>
+          </p:nvPr>
+        </p:nvSpPr>
+        <p:spPr>
+          <a:xfrm>
+            <a:off x="838200" y="1825625"/>
+            <a:ext cx="5073457" cy="4351338"/>
+          </a:xfrm>
+        </p:spPr>
+        <p:txBody>
+          <a:bodyPr>
+            <a:normAutofit fontScale="77500" lnSpcReduction="20000"/>
+          </a:bodyPr>
+          <a:lstStyle/>
+          <a:p>
+            <a:r>
+              <a:rPr lang="en-US" dirty="0">
+                <a:latin typeface="Trebuchet MS" panose="020B0603020202020204" pitchFamily="34" charset="0"/>
+              </a:rPr>
+              <a:t>This method is useful for when you need to run a specific line(s) of code</a:t>
+            </a:r>
+          </a:p>
+          <a:p>
+            <a:pPr lvl="1"/>
+            <a:r>
+              <a:rPr lang="en-US" dirty="0">
+                <a:latin typeface="Trebuchet MS" panose="020B0603020202020204" pitchFamily="34" charset="0"/>
+              </a:rPr>
+              <a:t>For example: make a graph, run an analysis function</a:t>
+            </a:r>
+          </a:p>
+          <a:p>
+            <a:r>
+              <a:rPr lang="en-US" dirty="0">
+                <a:latin typeface="Trebuchet MS" panose="020B0603020202020204" pitchFamily="34" charset="0"/>
+              </a:rPr>
+              <a:t>Instructions:</a:t>
+            </a:r>
+          </a:p>
+          <a:p>
+            <a:pPr lvl="1"/>
+            <a:r>
+              <a:rPr lang="en-US" dirty="0">
+                <a:latin typeface="Trebuchet MS" panose="020B0603020202020204" pitchFamily="34" charset="0"/>
+              </a:rPr>
+              <a:t>Highlight the desired line(s) of code that you want to run</a:t>
+            </a:r>
+          </a:p>
+          <a:p>
+            <a:pPr lvl="2"/>
+            <a:r>
+              <a:rPr lang="en-US" dirty="0">
+                <a:latin typeface="Trebuchet MS" panose="020B0603020202020204" pitchFamily="34" charset="0"/>
+              </a:rPr>
+              <a:t>Ex: line 15, </a:t>
+            </a:r>
+            <a:r>
+              <a:rPr lang="en-US" dirty="0" err="1">
+                <a:latin typeface="Trebuchet MS" panose="020B0603020202020204" pitchFamily="34" charset="0"/>
+              </a:rPr>
+              <a:t>PlotSlices</a:t>
+            </a:r>
+            <a:r>
+              <a:rPr lang="en-US" dirty="0">
+                <a:latin typeface="Trebuchet MS" panose="020B0603020202020204" pitchFamily="34" charset="0"/>
+              </a:rPr>
+              <a:t> function (creates figures)</a:t>
+            </a:r>
+          </a:p>
+          <a:p>
+            <a:pPr lvl="1"/>
+            <a:r>
+              <a:rPr lang="en-US" dirty="0">
+                <a:latin typeface="Trebuchet MS" panose="020B0603020202020204" pitchFamily="34" charset="0"/>
+              </a:rPr>
+              <a:t>Right click on the highlighted code</a:t>
+            </a:r>
+          </a:p>
+          <a:p>
+            <a:pPr lvl="1"/>
+            <a:r>
+              <a:rPr lang="en-US" dirty="0">
+                <a:latin typeface="Trebuchet MS" panose="020B0603020202020204" pitchFamily="34" charset="0"/>
+              </a:rPr>
+              <a:t>Click “Evaluate Selection”</a:t>
+            </a:r>
+          </a:p>
+          <a:p>
+            <a:pPr lvl="1"/>
+            <a:r>
+              <a:rPr lang="en-US" dirty="0">
+                <a:latin typeface="Trebuchet MS" panose="020B0603020202020204" pitchFamily="34" charset="0"/>
+              </a:rPr>
+              <a:t>You can bypass steps 2 and 3 by hitting f9 on your keyboard</a:t>
+            </a:r>
+          </a:p>
+          <a:p>
+            <a:r>
+              <a:rPr lang="en-US" dirty="0">
+                <a:latin typeface="Trebuchet MS" panose="020B0603020202020204" pitchFamily="34" charset="0"/>
+              </a:rPr>
+              <a:t>You can run an entire program by highlighting and evaluating each individual line of code</a:t>
+            </a:r>
+          </a:p>
+        </p:txBody>
+      </p:sp>
+      <p:sp>
+        <p:nvSpPr>
+          <p:cNvPr id="4" name="TextBox 3">
+            <a:extLst>
+              <a:ext uri="{FF2B5EF4-FFF2-40B4-BE49-F238E27FC236}">
+                <a16:creationId xmlns:a16="http://schemas.microsoft.com/office/drawing/2014/main" id="{84A28F01-7E22-4B56-B6FA-93597A7F240D}"/>
+              </a:ext>
+            </a:extLst>
+          </p:cNvPr>
+          <p:cNvSpPr txBox="1"/>
+          <p:nvPr/>
+        </p:nvSpPr>
+        <p:spPr>
+          <a:xfrm>
+            <a:off x="7633982" y="2306972"/>
+            <a:ext cx="2961313" cy="646331"/>
+          </a:xfrm>
+          <a:prstGeom prst="rect">
+            <a:avLst/>
+          </a:prstGeom>
+          <a:noFill/>
+        </p:spPr>
+        <p:txBody>
+          <a:bodyPr wrap="square" rtlCol="0">
+            <a:spAutoFit/>
+          </a:bodyPr>
+          <a:lstStyle/>
+          <a:p>
+            <a:r>
+              <a:rPr lang="en-US" dirty="0">
+                <a:latin typeface="Trebuchet MS" panose="020B0603020202020204" pitchFamily="34" charset="0"/>
+              </a:rPr>
+              <a:t>Insert cool screenshot here </a:t>
+            </a:r>
+            <a:r>
+              <a:rPr lang="en-US" dirty="0">
+                <a:latin typeface="Trebuchet MS" panose="020B0603020202020204" pitchFamily="34" charset="0"/>
+                <a:sym typeface="Wingdings" panose="05000000000000000000" pitchFamily="2" charset="2"/>
+              </a:rPr>
+              <a:t></a:t>
+            </a:r>
+            <a:endParaRPr lang="en-US" dirty="0">
+              <a:latin typeface="Trebuchet MS" panose="020B0603020202020204" pitchFamily="34" charset="0"/>
+            </a:endParaRPr>
+          </a:p>
+        </p:txBody>
+      </p:sp>
+      <p:pic>
+        <p:nvPicPr>
+          <p:cNvPr id="8" name="Picture 7">
+            <a:extLst>
+              <a:ext uri="{FF2B5EF4-FFF2-40B4-BE49-F238E27FC236}">
+                <a16:creationId xmlns:a16="http://schemas.microsoft.com/office/drawing/2014/main" id="{B3BCB815-62C7-4A73-B2C0-5B30F57FF6B3}"/>
+              </a:ext>
+            </a:extLst>
+          </p:cNvPr>
+          <p:cNvPicPr>
+            <a:picLocks noChangeAspect="1"/>
+          </p:cNvPicPr>
+          <p:nvPr/>
+        </p:nvPicPr>
+        <p:blipFill>
+          <a:blip r:embed="rId2">
+            <a:extLst>
+              <a:ext uri="{28A0092B-C50C-407E-A947-70E740481C1C}">
+                <a14:useLocalDpi xmlns:a14="http://schemas.microsoft.com/office/drawing/2010/main" val="0"/>
+              </a:ext>
+            </a:extLst>
+          </a:blip>
+          <a:stretch>
+            <a:fillRect/>
+          </a:stretch>
+        </p:blipFill>
+        <p:spPr>
+          <a:xfrm>
+            <a:off x="5911657" y="1903061"/>
+            <a:ext cx="6176894" cy="3051878"/>
+          </a:xfrm>
+          <a:prstGeom prst="rect">
+            <a:avLst/>
+          </a:prstGeom>
+        </p:spPr>
+      </p:pic>
+    </p:spTree>
+    <p:extLst>
+      <p:ext uri="{BB962C8B-B14F-4D97-AF65-F5344CB8AC3E}">
+        <p14:creationId xmlns:p14="http://schemas.microsoft.com/office/powerpoint/2010/main" val="1828043019"/>
+      </p:ext>
+    </p:extLst>
+  </p:cSld>
+  <p:clrMapOvr>
+    <a:masterClrMapping/>
+  </p:clrMapOvr>
+</p:sld>
+</file>
+
+<file path=ppt/slides/slide12.xml><?xml version="1.0" encoding="utf-8"?>
+<p:sld xmlns:a="http://schemas.openxmlformats.org/drawingml/2006/main" xmlns:r="http://schemas.openxmlformats.org/officeDocument/2006/relationships" xmlns:p="http://schemas.openxmlformats.org/presentationml/2006/main">
+  <p:cSld>
+    <p:spTree>
+      <p:nvGrpSpPr>
+        <p:cNvPr id="1" name=""/>
+        <p:cNvGrpSpPr/>
+        <p:nvPr/>
+      </p:nvGrpSpPr>
+      <p:grpSpPr>
+        <a:xfrm>
+          <a:off x="0" y="0"/>
+          <a:ext cx="0" cy="0"/>
+          <a:chOff x="0" y="0"/>
+          <a:chExt cx="0" cy="0"/>
+        </a:xfrm>
+      </p:grpSpPr>
+      <p:sp>
+        <p:nvSpPr>
+          <p:cNvPr id="2" name="Title 1">
+            <a:extLst>
+              <a:ext uri="{FF2B5EF4-FFF2-40B4-BE49-F238E27FC236}">
+                <a16:creationId xmlns:a16="http://schemas.microsoft.com/office/drawing/2014/main" id="{9153B8C3-A3CC-4577-9D64-10B645837BBE}"/>
+              </a:ext>
+            </a:extLst>
+          </p:cNvPr>
+          <p:cNvSpPr>
+            <a:spLocks noGrp="1"/>
+          </p:cNvSpPr>
+          <p:nvPr>
+            <p:ph type="title"/>
+          </p:nvPr>
+        </p:nvSpPr>
+        <p:spPr/>
+        <p:txBody>
+          <a:bodyPr/>
+          <a:lstStyle/>
+          <a:p>
+            <a:r>
+              <a:rPr lang="en-US" dirty="0">
+                <a:solidFill>
+                  <a:srgbClr val="FF0000"/>
+                </a:solidFill>
+                <a:latin typeface="Trebuchet MS" panose="020B0603020202020204" pitchFamily="34" charset="0"/>
+              </a:rPr>
+              <a:t>How to Set Breakpoints</a:t>
+            </a:r>
+          </a:p>
+        </p:txBody>
+      </p:sp>
+      <p:sp>
+        <p:nvSpPr>
+          <p:cNvPr id="3" name="Content Placeholder 2">
+            <a:extLst>
+              <a:ext uri="{FF2B5EF4-FFF2-40B4-BE49-F238E27FC236}">
+                <a16:creationId xmlns:a16="http://schemas.microsoft.com/office/drawing/2014/main" id="{8FB5110B-AB06-4EB3-8EB0-D3BC2D584E09}"/>
+              </a:ext>
+            </a:extLst>
+          </p:cNvPr>
+          <p:cNvSpPr>
+            <a:spLocks noGrp="1"/>
+          </p:cNvSpPr>
+          <p:nvPr>
+            <p:ph idx="1"/>
+          </p:nvPr>
+        </p:nvSpPr>
+        <p:spPr>
+          <a:xfrm>
+            <a:off x="838200" y="1825625"/>
+            <a:ext cx="6903577" cy="4351338"/>
+          </a:xfrm>
+        </p:spPr>
+        <p:txBody>
+          <a:bodyPr/>
+          <a:lstStyle/>
+          <a:p>
+            <a:r>
+              <a:rPr lang="en-US" dirty="0">
+                <a:latin typeface="Trebuchet MS" panose="020B0603020202020204" pitchFamily="34" charset="0"/>
+              </a:rPr>
+              <a:t>Setting Breakpoints</a:t>
+            </a:r>
+          </a:p>
+          <a:p>
+            <a:pPr lvl="1"/>
+            <a:r>
+              <a:rPr lang="en-US" dirty="0">
+                <a:latin typeface="Trebuchet MS" panose="020B0603020202020204" pitchFamily="34" charset="0"/>
+              </a:rPr>
+              <a:t>Click on one of the hash marks on the left side of your code, that will create a breakpoint</a:t>
+            </a:r>
+          </a:p>
+          <a:p>
+            <a:pPr lvl="1"/>
+            <a:r>
+              <a:rPr lang="en-US" dirty="0">
+                <a:latin typeface="Trebuchet MS" panose="020B0603020202020204" pitchFamily="34" charset="0"/>
+              </a:rPr>
+              <a:t>Breakpoints look like small red dots</a:t>
+            </a:r>
+          </a:p>
+        </p:txBody>
+      </p:sp>
+      <p:sp>
+        <p:nvSpPr>
+          <p:cNvPr id="4" name="TextBox 3">
+            <a:extLst>
+              <a:ext uri="{FF2B5EF4-FFF2-40B4-BE49-F238E27FC236}">
+                <a16:creationId xmlns:a16="http://schemas.microsoft.com/office/drawing/2014/main" id="{B7120AFB-E737-484D-BCB0-485F4E4F2012}"/>
+              </a:ext>
+            </a:extLst>
+          </p:cNvPr>
+          <p:cNvSpPr txBox="1"/>
+          <p:nvPr/>
+        </p:nvSpPr>
+        <p:spPr>
+          <a:xfrm>
+            <a:off x="8128932" y="2424418"/>
+            <a:ext cx="2541864" cy="646331"/>
+          </a:xfrm>
+          <a:prstGeom prst="rect">
+            <a:avLst/>
+          </a:prstGeom>
+          <a:noFill/>
+        </p:spPr>
+        <p:txBody>
+          <a:bodyPr wrap="square" rtlCol="0">
+            <a:spAutoFit/>
+          </a:bodyPr>
+          <a:lstStyle/>
+          <a:p>
+            <a:r>
+              <a:rPr lang="en-US" dirty="0">
+                <a:latin typeface="Trebuchet MS" panose="020B0603020202020204" pitchFamily="34" charset="0"/>
+              </a:rPr>
+              <a:t>Insert even cooler screenshots here ;) </a:t>
+            </a:r>
+          </a:p>
+        </p:txBody>
+      </p:sp>
+      <p:pic>
+        <p:nvPicPr>
+          <p:cNvPr id="6" name="Picture 5">
+            <a:extLst>
+              <a:ext uri="{FF2B5EF4-FFF2-40B4-BE49-F238E27FC236}">
+                <a16:creationId xmlns:a16="http://schemas.microsoft.com/office/drawing/2014/main" id="{841851FE-3A63-4E3A-BCE7-2CA7565427AB}"/>
+              </a:ext>
+            </a:extLst>
+          </p:cNvPr>
+          <p:cNvPicPr>
+            <a:picLocks noChangeAspect="1"/>
+          </p:cNvPicPr>
+          <p:nvPr/>
+        </p:nvPicPr>
+        <p:blipFill>
+          <a:blip r:embed="rId2">
+            <a:extLst>
+              <a:ext uri="{28A0092B-C50C-407E-A947-70E740481C1C}">
+                <a14:useLocalDpi xmlns:a14="http://schemas.microsoft.com/office/drawing/2010/main" val="0"/>
+              </a:ext>
+            </a:extLst>
+          </a:blip>
+          <a:stretch>
+            <a:fillRect/>
+          </a:stretch>
+        </p:blipFill>
+        <p:spPr>
+          <a:xfrm>
+            <a:off x="7856868" y="859034"/>
+            <a:ext cx="2698837" cy="5193560"/>
+          </a:xfrm>
+          <a:prstGeom prst="rect">
+            <a:avLst/>
+          </a:prstGeom>
+        </p:spPr>
+      </p:pic>
+    </p:spTree>
+    <p:extLst>
+      <p:ext uri="{BB962C8B-B14F-4D97-AF65-F5344CB8AC3E}">
+        <p14:creationId xmlns:p14="http://schemas.microsoft.com/office/powerpoint/2010/main" val="1477270279"/>
+      </p:ext>
+    </p:extLst>
+  </p:cSld>
+  <p:clrMapOvr>
+    <a:masterClrMapping/>
+  </p:clrMapOvr>
+</p:sld>
+</file>
+
+<file path=ppt/slides/slide13.xml><?xml version="1.0" encoding="utf-8"?>
+<p:sld xmlns:a="http://schemas.openxmlformats.org/drawingml/2006/main" xmlns:r="http://schemas.openxmlformats.org/officeDocument/2006/relationships" xmlns:p="http://schemas.openxmlformats.org/presentationml/2006/main">
+  <p:cSld>
+    <p:spTree>
+      <p:nvGrpSpPr>
+        <p:cNvPr id="1" name=""/>
+        <p:cNvGrpSpPr/>
+        <p:nvPr/>
+      </p:nvGrpSpPr>
+      <p:grpSpPr>
+        <a:xfrm>
+          <a:off x="0" y="0"/>
+          <a:ext cx="0" cy="0"/>
+          <a:chOff x="0" y="0"/>
+          <a:chExt cx="0" cy="0"/>
+        </a:xfrm>
+      </p:grpSpPr>
+      <p:sp>
+        <p:nvSpPr>
+          <p:cNvPr id="2" name="Title 1">
+            <a:extLst>
+              <a:ext uri="{FF2B5EF4-FFF2-40B4-BE49-F238E27FC236}">
                 <a16:creationId xmlns:a16="http://schemas.microsoft.com/office/drawing/2014/main" id="{2838785D-222D-46DC-9617-EBFD3EBE01EA}"/>
               </a:ext>
             </a:extLst>
@@ -3445,7 +4144,7 @@
 </p:sld>
 </file>
 
-<file path=ppt/slides/slide11.xml><?xml version="1.0" encoding="utf-8"?>
+<file path=ppt/slides/slide14.xml><?xml version="1.0" encoding="utf-8"?>
 <p:sld xmlns:a="http://schemas.openxmlformats.org/drawingml/2006/main" xmlns:r="http://schemas.openxmlformats.org/officeDocument/2006/relationships" xmlns:p="http://schemas.openxmlformats.org/presentationml/2006/main">
   <p:cSld>
     <p:spTree>
@@ -3725,7 +4424,7 @@
 </p:sld>
 </file>
 
-<file path=ppt/slides/slide12.xml><?xml version="1.0" encoding="utf-8"?>
+<file path=ppt/slides/slide15.xml><?xml version="1.0" encoding="utf-8"?>
 <p:sld xmlns:a="http://schemas.openxmlformats.org/drawingml/2006/main" xmlns:r="http://schemas.openxmlformats.org/officeDocument/2006/relationships" xmlns:p="http://schemas.openxmlformats.org/presentationml/2006/main">
   <p:cSld>
     <p:spTree>
@@ -5361,7 +6060,7 @@
           <p:cNvPr id="2" name="Title 1">
             <a:extLst>
               <a:ext uri="{FF2B5EF4-FFF2-40B4-BE49-F238E27FC236}">
-                <a16:creationId xmlns:a16="http://schemas.microsoft.com/office/drawing/2014/main" id="{0524602B-7AF8-4A8A-B98C-3ABC163053AA}"/>
+                <a16:creationId xmlns:a16="http://schemas.microsoft.com/office/drawing/2014/main" id="{CB4B09D2-35C2-4899-84F5-D62C6669BB04}"/>
               </a:ext>
             </a:extLst>
           </p:cNvPr>
@@ -5384,7 +6083,7 @@
                 </a:solidFill>
                 <a:latin typeface="Trebuchet MS" panose="020B0603020202020204" pitchFamily="34" charset="0"/>
               </a:rPr>
-              <a:t>Tutorial PowerPoints vs Tutorial Scripts</a:t>
+              <a:t>How to Load Data: Overview</a:t>
             </a:r>
           </a:p>
         </p:txBody>
@@ -5394,7 +6093,7 @@
           <p:cNvPr id="3" name="Content Placeholder 2">
             <a:extLst>
               <a:ext uri="{FF2B5EF4-FFF2-40B4-BE49-F238E27FC236}">
-                <a16:creationId xmlns:a16="http://schemas.microsoft.com/office/drawing/2014/main" id="{2540B8C2-B653-442F-BE48-18F1577797B6}"/>
+                <a16:creationId xmlns:a16="http://schemas.microsoft.com/office/drawing/2014/main" id="{5843B960-FFF2-45D4-AF78-94A99AB049A2}"/>
               </a:ext>
             </a:extLst>
           </p:cNvPr>
@@ -5405,282 +6104,80 @@
             <p:ph idx="1"/>
           </p:nvPr>
         </p:nvSpPr>
-        <p:spPr>
-          <a:xfrm>
-            <a:off x="838200" y="1825625"/>
-            <a:ext cx="11049000" cy="4667250"/>
-          </a:xfrm>
-        </p:spPr>
+        <p:spPr/>
         <p:txBody>
           <a:bodyPr>
-            <a:normAutofit fontScale="85000" lnSpcReduction="10000"/>
+            <a:normAutofit/>
           </a:bodyPr>
           <a:lstStyle/>
           <a:p>
             <a:r>
               <a:rPr lang="en-US" dirty="0"/>
-              <a:t>Tutorials are PowerPoints. You should have them open as a reference or guide as you run through the tutorial scripts in MATLAB.</a:t>
+              <a:t>The following slides will cover the following topics:</a:t>
             </a:r>
           </a:p>
           <a:p>
             <a:pPr lvl="1"/>
             <a:r>
               <a:rPr lang="en-US" dirty="0"/>
-              <a:t>Access tutorials through your FILE MANAGER</a:t>
-            </a:r>
-          </a:p>
-          <a:p>
-            <a:pPr lvl="1"/>
+              <a:t>Loading Raw Data in NeuroDOT </a:t>
+            </a:r>
+          </a:p>
+          <a:p>
+            <a:pPr lvl="2"/>
             <a:r>
               <a:rPr lang="en-US" dirty="0"/>
-              <a:t>Tutorials should be completed in the order below</a:t>
-            </a:r>
-          </a:p>
-          <a:p>
+              <a:t>*.mat: NeuroDOT native format</a:t>
+            </a:r>
+          </a:p>
+          <a:p>
+            <a:pPr lvl="2"/>
             <a:r>
               <a:rPr lang="en-US" dirty="0"/>
-              <a:t>Tutorial Scripts are the MATLAB scripts, i.e. code, that the tutorials were made for </a:t>
-            </a:r>
-          </a:p>
-          <a:p>
-            <a:pPr lvl="1"/>
+              <a:t>*.snirf: Shared Near Infrared Spectroscopy Format</a:t>
+            </a:r>
+          </a:p>
+          <a:p>
+            <a:pPr lvl="2"/>
             <a:r>
               <a:rPr lang="en-US" dirty="0"/>
-              <a:t>This is what you’ll actually be working with as you go through each tutorial</a:t>
-            </a:r>
-          </a:p>
-          <a:p>
-            <a:pPr lvl="1"/>
+              <a:t>*.nirs: Near Infrared Spectroscopy Format</a:t>
+            </a:r>
+          </a:p>
+          <a:p>
             <a:r>
               <a:rPr lang="en-US" dirty="0"/>
-              <a:t>You can:</a:t>
-            </a:r>
-          </a:p>
-          <a:p>
-            <a:pPr lvl="2"/>
+              <a:t>The PowerPoint “</a:t>
+            </a:r>
+            <a:r>
+              <a:rPr lang="en-US" dirty="0" err="1"/>
+              <a:t>Tutorial_for_Loading_Raw_Data</a:t>
+            </a:r>
             <a:r>
               <a:rPr lang="en-US" dirty="0"/>
-              <a:t>Access the scripts through MATLAB </a:t>
-            </a:r>
-          </a:p>
-          <a:p>
-            <a:pPr lvl="2"/>
+              <a:t>” and the following slides show you how to load raw data in NeuroDOT from *.mat, *.snirf, and *.nirs file formats.</a:t>
+            </a:r>
+          </a:p>
+          <a:p>
             <a:r>
               <a:rPr lang="en-US" dirty="0"/>
-              <a:t>Each Tutorial </a:t>
-            </a:r>
-            <a:r>
-              <a:rPr lang="en-US" dirty="0">
-                <a:solidFill>
-                  <a:schemeClr val="accent1"/>
-                </a:solidFill>
-              </a:rPr>
-              <a:t>(blue) </a:t>
+              <a:t>The code shown on the following slides can be found in the “</a:t>
+            </a:r>
+            <a:r>
+              <a:rPr lang="en-US" dirty="0" err="1"/>
+              <a:t>Script_for_Loading_Raw_Data</a:t>
             </a:r>
             <a:r>
               <a:rPr lang="en-US" dirty="0"/>
-              <a:t>has a corresponding script </a:t>
-            </a:r>
-            <a:r>
-              <a:rPr lang="en-US" dirty="0">
-                <a:solidFill>
-                  <a:srgbClr val="00B050"/>
-                </a:solidFill>
-              </a:rPr>
-              <a:t>(green)</a:t>
-            </a:r>
-            <a:r>
-              <a:rPr lang="en-US" dirty="0"/>
-              <a:t>,</a:t>
-            </a:r>
-            <a:r>
-              <a:rPr lang="en-US" dirty="0">
-                <a:solidFill>
-                  <a:srgbClr val="00B050"/>
-                </a:solidFill>
-              </a:rPr>
-              <a:t> </a:t>
-            </a:r>
-            <a:r>
-              <a:rPr lang="en-US" dirty="0"/>
-              <a:t>this is also the correct order for completing the tutorials</a:t>
-            </a:r>
-          </a:p>
-          <a:p>
-            <a:pPr lvl="3"/>
-            <a:r>
-              <a:rPr lang="en-US" dirty="0" err="1">
-                <a:solidFill>
-                  <a:schemeClr val="accent1"/>
-                </a:solidFill>
-              </a:rPr>
-              <a:t>PreProcessing</a:t>
-            </a:r>
-            <a:r>
-              <a:rPr lang="en-US" dirty="0"/>
-              <a:t> = </a:t>
-            </a:r>
-            <a:r>
-              <a:rPr lang="en-US" dirty="0" err="1">
-                <a:solidFill>
-                  <a:srgbClr val="00B050"/>
-                </a:solidFill>
-              </a:rPr>
-              <a:t>NeuroDOT_PreProcessing_Script</a:t>
-            </a:r>
-            <a:endParaRPr lang="en-US" dirty="0">
-              <a:solidFill>
-                <a:srgbClr val="00B050"/>
-              </a:solidFill>
-            </a:endParaRPr>
-          </a:p>
-          <a:p>
-            <a:pPr lvl="3"/>
-            <a:r>
-              <a:rPr lang="en-US" dirty="0" err="1">
-                <a:solidFill>
-                  <a:schemeClr val="accent1"/>
-                </a:solidFill>
-              </a:rPr>
-              <a:t>Generating_a_Light_Model</a:t>
-            </a:r>
-            <a:r>
-              <a:rPr lang="en-US" dirty="0"/>
-              <a:t> = </a:t>
-            </a:r>
-            <a:r>
-              <a:rPr lang="en-US" dirty="0" err="1">
-                <a:solidFill>
-                  <a:srgbClr val="00B050"/>
-                </a:solidFill>
-              </a:rPr>
-              <a:t>Script_For_Basic_Head_Modeling</a:t>
-            </a:r>
-            <a:endParaRPr lang="en-US" dirty="0">
-              <a:solidFill>
-                <a:srgbClr val="00B050"/>
-              </a:solidFill>
-            </a:endParaRPr>
-          </a:p>
-          <a:p>
-            <a:pPr lvl="3"/>
-            <a:r>
-              <a:rPr lang="en-US" dirty="0" err="1">
-                <a:solidFill>
-                  <a:schemeClr val="accent1"/>
-                </a:solidFill>
-              </a:rPr>
-              <a:t>ImageReconstruction</a:t>
-            </a:r>
-            <a:r>
-              <a:rPr lang="en-US" dirty="0"/>
-              <a:t> = </a:t>
-            </a:r>
-            <a:r>
-              <a:rPr lang="en-US" dirty="0" err="1">
-                <a:solidFill>
-                  <a:srgbClr val="00B050"/>
-                </a:solidFill>
-              </a:rPr>
-              <a:t>NeuroDOT_ImageReconstruction_Script</a:t>
-            </a:r>
-            <a:endParaRPr lang="en-US" dirty="0">
-              <a:solidFill>
-                <a:srgbClr val="00B050"/>
-              </a:solidFill>
-            </a:endParaRPr>
-          </a:p>
-          <a:p>
-            <a:pPr lvl="3"/>
-            <a:r>
-              <a:rPr lang="en-US" dirty="0" err="1">
-                <a:solidFill>
-                  <a:schemeClr val="accent1"/>
-                </a:solidFill>
-              </a:rPr>
-              <a:t>Full_Data_Processing</a:t>
-            </a:r>
-            <a:r>
-              <a:rPr lang="en-US" dirty="0"/>
-              <a:t> = </a:t>
-            </a:r>
-            <a:r>
-              <a:rPr lang="en-US" dirty="0" err="1">
-                <a:solidFill>
-                  <a:srgbClr val="00B050"/>
-                </a:solidFill>
-              </a:rPr>
-              <a:t>NeuroDOT_Full_Processing_Script_Tutorial</a:t>
-            </a:r>
-            <a:endParaRPr lang="en-US" dirty="0">
-              <a:solidFill>
-                <a:srgbClr val="00B050"/>
-              </a:solidFill>
-            </a:endParaRPr>
-          </a:p>
-          <a:p>
-            <a:pPr lvl="3"/>
-            <a:r>
-              <a:rPr lang="en-US" dirty="0">
-                <a:solidFill>
-                  <a:schemeClr val="accent1"/>
-                </a:solidFill>
-              </a:rPr>
-              <a:t>Generating_a_Light_Model_Pad_Adult_96x92_Example</a:t>
-            </a:r>
-            <a:r>
-              <a:rPr lang="en-US" dirty="0"/>
-              <a:t> = </a:t>
-            </a:r>
-            <a:r>
-              <a:rPr lang="en-US" dirty="0">
-                <a:solidFill>
-                  <a:srgbClr val="00B050"/>
-                </a:solidFill>
-              </a:rPr>
-              <a:t>Script_For_Basic_Head_Modeling_Pad_Adult_96x92</a:t>
-            </a:r>
-          </a:p>
-          <a:p>
-            <a:pPr lvl="1"/>
-            <a:r>
-              <a:rPr lang="en-US" dirty="0"/>
-              <a:t>Above formatting is: </a:t>
-            </a:r>
-            <a:r>
-              <a:rPr lang="en-US" dirty="0">
-                <a:solidFill>
-                  <a:schemeClr val="accent1"/>
-                </a:solidFill>
-              </a:rPr>
-              <a:t>Tutorial name </a:t>
-            </a:r>
-            <a:r>
-              <a:rPr lang="en-US" dirty="0"/>
-              <a:t>= </a:t>
-            </a:r>
-            <a:r>
-              <a:rPr lang="en-US" dirty="0">
-                <a:solidFill>
-                  <a:srgbClr val="00B050"/>
-                </a:solidFill>
-              </a:rPr>
-              <a:t>Script name</a:t>
-            </a:r>
-          </a:p>
-          <a:p>
-            <a:pPr lvl="2"/>
-            <a:endParaRPr lang="en-US" dirty="0"/>
-          </a:p>
-          <a:p>
-            <a:endParaRPr lang="en-US" dirty="0"/>
+              <a:t>”</a:t>
+            </a:r>
           </a:p>
         </p:txBody>
       </p:sp>
     </p:spTree>
     <p:extLst>
       <p:ext uri="{BB962C8B-B14F-4D97-AF65-F5344CB8AC3E}">
-        <p14:creationId xmlns:p14="http://schemas.microsoft.com/office/powerpoint/2010/main" val="1438362766"/>
+        <p14:creationId xmlns:p14="http://schemas.microsoft.com/office/powerpoint/2010/main" val="4263210028"/>
       </p:ext>
     </p:extLst>
   </p:cSld>
@@ -5712,7 +6209,7 @@
           <p:cNvPr id="2" name="Title 1">
             <a:extLst>
               <a:ext uri="{FF2B5EF4-FFF2-40B4-BE49-F238E27FC236}">
-                <a16:creationId xmlns:a16="http://schemas.microsoft.com/office/drawing/2014/main" id="{A603A3EB-3B20-45A8-AED1-CA32D75CF03F}"/>
+                <a16:creationId xmlns:a16="http://schemas.microsoft.com/office/drawing/2014/main" id="{0ADBB93B-0233-BEA5-9C17-21C87D805840}"/>
               </a:ext>
             </a:extLst>
           </p:cNvPr>
@@ -5729,38 +6226,15 @@
           <a:lstStyle/>
           <a:p>
             <a:r>
-              <a:rPr lang="en-US">
+              <a:rPr lang="en-US" dirty="0">
                 <a:solidFill>
                   <a:srgbClr val="FF0000"/>
                 </a:solidFill>
                 <a:latin typeface="Trebuchet MS" panose="020B0603020202020204" pitchFamily="34" charset="0"/>
               </a:rPr>
-              <a:t>How to Run </a:t>
-            </a:r>
-            <a:r>
-              <a:rPr lang="en-US" dirty="0">
-                <a:solidFill>
-                  <a:srgbClr val="FF0000"/>
-                </a:solidFill>
-                <a:latin typeface="Trebuchet MS" panose="020B0603020202020204" pitchFamily="34" charset="0"/>
-              </a:rPr>
-              <a:t>Through </a:t>
-            </a:r>
-            <a:r>
-              <a:rPr lang="en-US">
-                <a:solidFill>
-                  <a:srgbClr val="FF0000"/>
-                </a:solidFill>
-                <a:latin typeface="Trebuchet MS" panose="020B0603020202020204" pitchFamily="34" charset="0"/>
-              </a:rPr>
-              <a:t>a Tutorial</a:t>
-            </a:r>
-            <a:endParaRPr lang="en-US" dirty="0">
-              <a:solidFill>
-                <a:srgbClr val="FF0000"/>
-              </a:solidFill>
-              <a:latin typeface="Trebuchet MS" panose="020B0603020202020204" pitchFamily="34" charset="0"/>
-            </a:endParaRPr>
+              <a:t>How to Load Data</a:t>
+            </a:r>
+            <a:endParaRPr lang="en-US" dirty="0"/>
           </a:p>
         </p:txBody>
       </p:sp>
@@ -5769,7 +6243,7 @@
           <p:cNvPr id="3" name="Content Placeholder 2">
             <a:extLst>
               <a:ext uri="{FF2B5EF4-FFF2-40B4-BE49-F238E27FC236}">
-                <a16:creationId xmlns:a16="http://schemas.microsoft.com/office/drawing/2014/main" id="{48882026-6D37-4B83-B113-C005E89C2C63}"/>
+                <a16:creationId xmlns:a16="http://schemas.microsoft.com/office/drawing/2014/main" id="{01F42F94-C6DF-BB5A-DF20-A67E8FABD4FB}"/>
               </a:ext>
             </a:extLst>
           </p:cNvPr>
@@ -5782,142 +6256,100 @@
         </p:nvSpPr>
         <p:spPr>
           <a:xfrm>
-            <a:off x="838200" y="1825625"/>
-            <a:ext cx="10515600" cy="4667250"/>
+            <a:off x="763555" y="1948056"/>
+            <a:ext cx="10515600" cy="4351338"/>
           </a:xfrm>
         </p:spPr>
         <p:txBody>
-          <a:bodyPr>
-            <a:normAutofit fontScale="92500" lnSpcReduction="20000"/>
-          </a:bodyPr>
-          <a:lstStyle/>
-          <a:p>
-            <a:r>
-              <a:rPr lang="en-US" dirty="0">
-                <a:latin typeface="Trebuchet MS" panose="020B0603020202020204" pitchFamily="34" charset="0"/>
-              </a:rPr>
-              <a:t>Two Methods</a:t>
-            </a:r>
-          </a:p>
-          <a:p>
-            <a:pPr marL="914400" lvl="1" indent="-457200">
-              <a:buFont typeface="+mj-lt"/>
-              <a:buAutoNum type="arabicPeriod"/>
-            </a:pPr>
-            <a:r>
-              <a:rPr lang="en-US" dirty="0">
-                <a:latin typeface="Trebuchet MS" panose="020B0603020202020204" pitchFamily="34" charset="0"/>
-              </a:rPr>
-              <a:t>Highlight and Evaluate individual lines or sections of code</a:t>
-            </a:r>
-          </a:p>
-          <a:p>
-            <a:pPr marL="914400" lvl="1" indent="-457200">
-              <a:buFont typeface="+mj-lt"/>
-              <a:buAutoNum type="arabicPeriod"/>
-            </a:pPr>
-            <a:r>
-              <a:rPr lang="en-US" dirty="0">
-                <a:latin typeface="Trebuchet MS" panose="020B0603020202020204" pitchFamily="34" charset="0"/>
-              </a:rPr>
-              <a:t>Set Breakpoints and run the script, continuing after each breakpoint</a:t>
-            </a:r>
-          </a:p>
-          <a:p>
-            <a:r>
-              <a:rPr lang="en-US" dirty="0">
-                <a:latin typeface="Trebuchet MS" panose="020B0603020202020204" pitchFamily="34" charset="0"/>
-              </a:rPr>
-              <a:t>Which one is better?</a:t>
-            </a:r>
-          </a:p>
-          <a:p>
-            <a:pPr lvl="1"/>
-            <a:r>
-              <a:rPr lang="en-US" dirty="0">
-                <a:latin typeface="Trebuchet MS" panose="020B0603020202020204" pitchFamily="34" charset="0"/>
-              </a:rPr>
-              <a:t>It really depends on you</a:t>
-            </a:r>
-          </a:p>
-          <a:p>
-            <a:pPr lvl="1"/>
-            <a:r>
-              <a:rPr lang="en-US" dirty="0">
-                <a:latin typeface="Trebuchet MS" panose="020B0603020202020204" pitchFamily="34" charset="0"/>
-              </a:rPr>
-              <a:t>From a new MATLAB user standpoint, highlighting and evaluating is easiest</a:t>
-            </a:r>
-          </a:p>
-          <a:p>
-            <a:pPr lvl="2"/>
-            <a:r>
-              <a:rPr lang="en-US" dirty="0">
-                <a:latin typeface="Trebuchet MS" panose="020B0603020202020204" pitchFamily="34" charset="0"/>
-              </a:rPr>
-              <a:t>Many scripts in the lab are set up based on this method</a:t>
-            </a:r>
-          </a:p>
-          <a:p>
-            <a:pPr lvl="2"/>
-            <a:r>
-              <a:rPr lang="en-US" dirty="0">
-                <a:latin typeface="Trebuchet MS" panose="020B0603020202020204" pitchFamily="34" charset="0"/>
-              </a:rPr>
-              <a:t>Useful for when you want to execute a single line of code that does something important </a:t>
-            </a:r>
-          </a:p>
-          <a:p>
-            <a:pPr lvl="3"/>
-            <a:r>
-              <a:rPr lang="en-US" dirty="0">
-                <a:latin typeface="Trebuchet MS" panose="020B0603020202020204" pitchFamily="34" charset="0"/>
-              </a:rPr>
-              <a:t>Ex: create a figure, load in a file, run an analysis function</a:t>
-            </a:r>
-          </a:p>
-          <a:p>
-            <a:pPr lvl="1"/>
-            <a:r>
-              <a:rPr lang="en-US" dirty="0">
-                <a:latin typeface="Trebuchet MS" panose="020B0603020202020204" pitchFamily="34" charset="0"/>
-              </a:rPr>
-              <a:t>From a top-down debugging standpoint, setting breakpoints is best</a:t>
-            </a:r>
-          </a:p>
-          <a:p>
-            <a:pPr lvl="2"/>
-            <a:r>
-              <a:rPr lang="en-US" dirty="0">
-                <a:latin typeface="Trebuchet MS" panose="020B0603020202020204" pitchFamily="34" charset="0"/>
-              </a:rPr>
-              <a:t>Breakpoints allow for you to pause the code at specific lines where errors occur, and even skip those lines if you want to see if the rest of your code runs fine without that one line</a:t>
-            </a:r>
-          </a:p>
-          <a:p>
-            <a:pPr lvl="2"/>
-            <a:r>
-              <a:rPr lang="en-US" dirty="0">
-                <a:latin typeface="Trebuchet MS" panose="020B0603020202020204" pitchFamily="34" charset="0"/>
-              </a:rPr>
-              <a:t>They are more useful for debugging, but is still helpful for running the tutorials step by step</a:t>
-            </a:r>
-          </a:p>
-          <a:p>
-            <a:pPr lvl="2"/>
-            <a:endParaRPr lang="en-US" dirty="0">
-              <a:solidFill>
-                <a:srgbClr val="FF0000"/>
-              </a:solidFill>
-              <a:latin typeface="Trebuchet MS" panose="020B0603020202020204" pitchFamily="34" charset="0"/>
-            </a:endParaRPr>
-          </a:p>
-        </p:txBody>
-      </p:sp>
+          <a:bodyPr/>
+          <a:lstStyle/>
+          <a:p>
+            <a:r>
+              <a:rPr lang="en-US" dirty="0"/>
+              <a:t>Before loading your raw data, change your current directory to the folder containing your raw data.</a:t>
+            </a:r>
+          </a:p>
+          <a:p>
+            <a:r>
+              <a:rPr lang="en-US" dirty="0"/>
+              <a:t>First, select which file you want to load by choosing the ‘filename’.</a:t>
+            </a:r>
+          </a:p>
+          <a:p>
+            <a:r>
+              <a:rPr lang="en-US" dirty="0"/>
+              <a:t>Here, the dataset “sub-01_ses-01_task-RW001_nirs.snirf” is used as an example</a:t>
+            </a:r>
+          </a:p>
+          <a:p>
+            <a:endParaRPr lang="en-US" dirty="0"/>
+          </a:p>
+        </p:txBody>
+      </p:sp>
+      <p:pic>
+        <p:nvPicPr>
+          <p:cNvPr id="7" name="Picture 6">
+            <a:extLst>
+              <a:ext uri="{FF2B5EF4-FFF2-40B4-BE49-F238E27FC236}">
+                <a16:creationId xmlns:a16="http://schemas.microsoft.com/office/drawing/2014/main" id="{C98BCCB5-155A-74EC-2A89-BA408BB0FFD3}"/>
+              </a:ext>
+            </a:extLst>
+          </p:cNvPr>
+          <p:cNvPicPr>
+            <a:picLocks noChangeAspect="1"/>
+          </p:cNvPicPr>
+          <p:nvPr/>
+        </p:nvPicPr>
+        <p:blipFill>
+          <a:blip r:embed="rId2"/>
+          <a:stretch>
+            <a:fillRect/>
+          </a:stretch>
+        </p:blipFill>
+        <p:spPr>
+          <a:xfrm>
+            <a:off x="912845" y="4537023"/>
+            <a:ext cx="2619741" cy="1762371"/>
+          </a:xfrm>
+          <a:prstGeom prst="rect">
+            <a:avLst/>
+          </a:prstGeom>
+        </p:spPr>
+      </p:pic>
+      <p:pic>
+        <p:nvPicPr>
+          <p:cNvPr id="9" name="Picture 8">
+            <a:extLst>
+              <a:ext uri="{FF2B5EF4-FFF2-40B4-BE49-F238E27FC236}">
+                <a16:creationId xmlns:a16="http://schemas.microsoft.com/office/drawing/2014/main" id="{5E5EE686-9211-FB96-9896-DB06468CEFC5}"/>
+              </a:ext>
+            </a:extLst>
+          </p:cNvPr>
+          <p:cNvPicPr>
+            <a:picLocks noChangeAspect="1"/>
+          </p:cNvPicPr>
+          <p:nvPr/>
+        </p:nvPicPr>
+        <p:blipFill>
+          <a:blip r:embed="rId3"/>
+          <a:stretch>
+            <a:fillRect/>
+          </a:stretch>
+        </p:blipFill>
+        <p:spPr>
+          <a:xfrm>
+            <a:off x="4233532" y="5001835"/>
+            <a:ext cx="7194913" cy="832745"/>
+          </a:xfrm>
+          <a:prstGeom prst="rect">
+            <a:avLst/>
+          </a:prstGeom>
+        </p:spPr>
+      </p:pic>
     </p:spTree>
     <p:extLst>
       <p:ext uri="{BB962C8B-B14F-4D97-AF65-F5344CB8AC3E}">
-        <p14:creationId xmlns:p14="http://schemas.microsoft.com/office/powerpoint/2010/main" val="4427124"/>
+        <p14:creationId xmlns:p14="http://schemas.microsoft.com/office/powerpoint/2010/main" val="2458390726"/>
       </p:ext>
     </p:extLst>
   </p:cSld>
@@ -5949,7 +6381,7 @@
           <p:cNvPr id="2" name="Title 1">
             <a:extLst>
               <a:ext uri="{FF2B5EF4-FFF2-40B4-BE49-F238E27FC236}">
-                <a16:creationId xmlns:a16="http://schemas.microsoft.com/office/drawing/2014/main" id="{D589A0C6-8B08-433C-856C-D9EF3FB3088B}"/>
+                <a16:creationId xmlns:a16="http://schemas.microsoft.com/office/drawing/2014/main" id="{0ADBB93B-0233-BEA5-9C17-21C87D805840}"/>
               </a:ext>
             </a:extLst>
           </p:cNvPr>
@@ -5960,12 +6392,7 @@
             <p:ph type="title"/>
           </p:nvPr>
         </p:nvSpPr>
-        <p:spPr>
-          <a:xfrm>
-            <a:off x="838200" y="365125"/>
-            <a:ext cx="10769600" cy="1325563"/>
-          </a:xfrm>
-        </p:spPr>
+        <p:spPr/>
         <p:txBody>
           <a:bodyPr/>
           <a:lstStyle/>
@@ -5977,8 +6404,9 @@
                 </a:solidFill>
                 <a:latin typeface="Trebuchet MS" panose="020B0603020202020204" pitchFamily="34" charset="0"/>
               </a:rPr>
-              <a:t>How to Evaluate Lines or Sections of Code</a:t>
-            </a:r>
+              <a:t>How to Load Data</a:t>
+            </a:r>
+            <a:endParaRPr lang="en-US" dirty="0"/>
           </a:p>
         </p:txBody>
       </p:sp>
@@ -5987,7 +6415,7 @@
           <p:cNvPr id="3" name="Content Placeholder 2">
             <a:extLst>
               <a:ext uri="{FF2B5EF4-FFF2-40B4-BE49-F238E27FC236}">
-                <a16:creationId xmlns:a16="http://schemas.microsoft.com/office/drawing/2014/main" id="{A3CDF004-9D99-4D98-8AD5-63DED3CE0F12}"/>
+                <a16:creationId xmlns:a16="http://schemas.microsoft.com/office/drawing/2014/main" id="{01F42F94-C6DF-BB5A-DF20-A67E8FABD4FB}"/>
               </a:ext>
             </a:extLst>
           </p:cNvPr>
@@ -6000,160 +6428,113 @@
         </p:nvSpPr>
         <p:spPr>
           <a:xfrm>
-            <a:off x="838200" y="1825625"/>
-            <a:ext cx="5073457" cy="4351338"/>
+            <a:off x="427653" y="1710580"/>
+            <a:ext cx="5096069" cy="4351338"/>
           </a:xfrm>
         </p:spPr>
         <p:txBody>
           <a:bodyPr>
-            <a:normAutofit fontScale="77500" lnSpcReduction="20000"/>
+            <a:normAutofit fontScale="92500" lnSpcReduction="10000"/>
           </a:bodyPr>
           <a:lstStyle/>
           <a:p>
             <a:r>
-              <a:rPr lang="en-US" dirty="0">
-                <a:latin typeface="Trebuchet MS" panose="020B0603020202020204" pitchFamily="34" charset="0"/>
-              </a:rPr>
-              <a:t>This method is useful for when you need to run a specific line(s) of code</a:t>
+              <a:rPr lang="en-US" sz="2000" dirty="0"/>
+              <a:t>The following section of code will run the appropriate function to load the raw data in a NeuroDOT compatible format</a:t>
+            </a:r>
+          </a:p>
+          <a:p>
+            <a:r>
+              <a:rPr lang="en-US" sz="2000" dirty="0"/>
+              <a:t>*.mat</a:t>
             </a:r>
           </a:p>
           <a:p>
             <a:pPr lvl="1"/>
             <a:r>
-              <a:rPr lang="en-US" dirty="0">
-                <a:latin typeface="Trebuchet MS" panose="020B0603020202020204" pitchFamily="34" charset="0"/>
-              </a:rPr>
-              <a:t>For example: make a graph, run an analysis function</a:t>
-            </a:r>
-          </a:p>
-          <a:p>
-            <a:r>
-              <a:rPr lang="en-US" dirty="0">
-                <a:latin typeface="Trebuchet MS" panose="020B0603020202020204" pitchFamily="34" charset="0"/>
-              </a:rPr>
-              <a:t>Instructions:</a:t>
+              <a:rPr lang="en-US" sz="1800" dirty="0"/>
+              <a:t>Files can be loaded with </a:t>
+            </a:r>
+            <a:r>
+              <a:rPr lang="en-US" sz="1800" dirty="0" err="1"/>
+              <a:t>Matlab’s</a:t>
+            </a:r>
+            <a:r>
+              <a:rPr lang="en-US" sz="1800" dirty="0"/>
+              <a:t> built-in ‘load’ function</a:t>
+            </a:r>
+          </a:p>
+          <a:p>
+            <a:r>
+              <a:rPr lang="en-US" sz="2000" dirty="0"/>
+              <a:t>*.snirf</a:t>
             </a:r>
           </a:p>
           <a:p>
             <a:pPr lvl="1"/>
             <a:r>
-              <a:rPr lang="en-US" dirty="0">
-                <a:latin typeface="Trebuchet MS" panose="020B0603020202020204" pitchFamily="34" charset="0"/>
-              </a:rPr>
-              <a:t>Highlight the desired line(s) of code that you want to run</a:t>
-            </a:r>
-          </a:p>
-          <a:p>
-            <a:pPr lvl="2"/>
-            <a:r>
-              <a:rPr lang="en-US" dirty="0">
-                <a:latin typeface="Trebuchet MS" panose="020B0603020202020204" pitchFamily="34" charset="0"/>
-              </a:rPr>
-              <a:t>Ex: line 15, </a:t>
-            </a:r>
-            <a:r>
-              <a:rPr lang="en-US" dirty="0" err="1">
-                <a:latin typeface="Trebuchet MS" panose="020B0603020202020204" pitchFamily="34" charset="0"/>
-              </a:rPr>
-              <a:t>PlotSlices</a:t>
-            </a:r>
-            <a:r>
-              <a:rPr lang="en-US" dirty="0">
-                <a:latin typeface="Trebuchet MS" panose="020B0603020202020204" pitchFamily="34" charset="0"/>
-              </a:rPr>
-              <a:t> function (creates figures)</a:t>
+              <a:rPr lang="en-US" sz="1800" dirty="0"/>
+              <a:t>‘snirf2ndot’ loads the the *.snirf file in NeuroDOT format.</a:t>
             </a:r>
           </a:p>
           <a:p>
             <a:pPr lvl="1"/>
             <a:r>
-              <a:rPr lang="en-US" dirty="0">
-                <a:latin typeface="Trebuchet MS" panose="020B0603020202020204" pitchFamily="34" charset="0"/>
-              </a:rPr>
-              <a:t>Right click on the highlighted code</a:t>
+              <a:rPr lang="en-US" sz="1800" dirty="0"/>
+              <a:t>The optional input ‘</a:t>
+            </a:r>
+            <a:r>
+              <a:rPr lang="en-US" sz="1800" dirty="0" err="1"/>
+              <a:t>save_file</a:t>
+            </a:r>
+            <a:r>
+              <a:rPr lang="en-US" sz="1800" dirty="0"/>
+              <a:t>’ allows for saving an output file with the *.mat extension</a:t>
+            </a:r>
+          </a:p>
+          <a:p>
+            <a:r>
+              <a:rPr lang="en-US" sz="2000" dirty="0"/>
+              <a:t>*.nirs</a:t>
             </a:r>
           </a:p>
           <a:p>
             <a:pPr lvl="1"/>
             <a:r>
-              <a:rPr lang="en-US" dirty="0">
-                <a:latin typeface="Trebuchet MS" panose="020B0603020202020204" pitchFamily="34" charset="0"/>
-              </a:rPr>
-              <a:t>Click “Evaluate Selection”</a:t>
+              <a:rPr lang="en-US" sz="1800" dirty="0"/>
+              <a:t>‘nirs2ndot’ converts the NIRS data and info to NeuroDOT format</a:t>
             </a:r>
           </a:p>
           <a:p>
             <a:pPr lvl="1"/>
             <a:r>
-              <a:rPr lang="en-US" dirty="0">
-                <a:latin typeface="Trebuchet MS" panose="020B0603020202020204" pitchFamily="34" charset="0"/>
-              </a:rPr>
-              <a:t>You can bypass steps 2 and 3 by hitting f9 on your keyboard</a:t>
-            </a:r>
-          </a:p>
-          <a:p>
-            <a:r>
-              <a:rPr lang="en-US" dirty="0">
-                <a:latin typeface="Trebuchet MS" panose="020B0603020202020204" pitchFamily="34" charset="0"/>
-              </a:rPr>
-              <a:t>You can run an entire program by highlighting and evaluating each individual line of code</a:t>
-            </a:r>
-          </a:p>
-        </p:txBody>
-      </p:sp>
-      <p:sp>
-        <p:nvSpPr>
-          <p:cNvPr id="4" name="TextBox 3">
+              <a:rPr lang="en-US" sz="1800" dirty="0"/>
+              <a:t>The optional input ‘</a:t>
+            </a:r>
+            <a:r>
+              <a:rPr lang="en-US" sz="1800" dirty="0" err="1"/>
+              <a:t>save_file</a:t>
+            </a:r>
+            <a:r>
+              <a:rPr lang="en-US" sz="1800" dirty="0"/>
+              <a:t>’ allows for saving an output file with the *.mat extension</a:t>
+            </a:r>
+          </a:p>
+          <a:p>
+            <a:pPr lvl="1"/>
+            <a:endParaRPr lang="en-US" sz="1800" dirty="0"/>
+          </a:p>
+          <a:p>
+            <a:endParaRPr lang="en-US" sz="2000" dirty="0"/>
+          </a:p>
+        </p:txBody>
+      </p:sp>
+      <p:pic>
+        <p:nvPicPr>
+          <p:cNvPr id="12" name="Picture 11">
             <a:extLst>
               <a:ext uri="{FF2B5EF4-FFF2-40B4-BE49-F238E27FC236}">
-                <a16:creationId xmlns:a16="http://schemas.microsoft.com/office/drawing/2014/main" id="{84A28F01-7E22-4B56-B6FA-93597A7F240D}"/>
-              </a:ext>
-            </a:extLst>
-          </p:cNvPr>
-          <p:cNvSpPr txBox="1"/>
-          <p:nvPr/>
-        </p:nvSpPr>
-        <p:spPr>
-          <a:xfrm>
-            <a:off x="7633982" y="2306972"/>
-            <a:ext cx="2961313" cy="646331"/>
-          </a:xfrm>
-          <a:prstGeom prst="rect">
-            <a:avLst/>
-          </a:prstGeom>
-          <a:noFill/>
-        </p:spPr>
-        <p:txBody>
-          <a:bodyPr wrap="square" rtlCol="0">
-            <a:spAutoFit/>
-          </a:bodyPr>
-          <a:lstStyle/>
-          <a:p>
-            <a:r>
-              <a:rPr lang="en-US" dirty="0">
-                <a:latin typeface="Trebuchet MS" panose="020B0603020202020204" pitchFamily="34" charset="0"/>
-              </a:rPr>
-              <a:t>Insert cool screenshot here </a:t>
-            </a:r>
-            <a:r>
-              <a:rPr lang="en-US" dirty="0">
-                <a:latin typeface="Trebuchet MS" panose="020B0603020202020204" pitchFamily="34" charset="0"/>
-                <a:sym typeface="Wingdings" panose="05000000000000000000" pitchFamily="2" charset="2"/>
-              </a:rPr>
-              <a:t></a:t>
-            </a:r>
-            <a:endParaRPr lang="en-US" dirty="0">
-              <a:latin typeface="Trebuchet MS" panose="020B0603020202020204" pitchFamily="34" charset="0"/>
-            </a:endParaRPr>
-          </a:p>
-        </p:txBody>
-      </p:sp>
-      <p:pic>
-        <p:nvPicPr>
-          <p:cNvPr id="8" name="Picture 7">
-            <a:extLst>
-              <a:ext uri="{FF2B5EF4-FFF2-40B4-BE49-F238E27FC236}">
-                <a16:creationId xmlns:a16="http://schemas.microsoft.com/office/drawing/2014/main" id="{B3BCB815-62C7-4A73-B2C0-5B30F57FF6B3}"/>
+                <a16:creationId xmlns:a16="http://schemas.microsoft.com/office/drawing/2014/main" id="{345B9811-863F-07A1-241E-93F714AB62AA}"/>
               </a:ext>
             </a:extLst>
           </p:cNvPr>
@@ -6163,21 +6544,15 @@
           <p:nvPr/>
         </p:nvPicPr>
         <p:blipFill>
-          <a:blip r:embed="rId2">
-            <a:extLst>
-              <a:ext uri="{28A0092B-C50C-407E-A947-70E740481C1C}">
-                <a14:useLocalDpi xmlns:a14="http://schemas.microsoft.com/office/drawing/2010/main" val="0"/>
-              </a:ext>
-            </a:extLst>
-          </a:blip>
+          <a:blip r:embed="rId2"/>
           <a:stretch>
             <a:fillRect/>
           </a:stretch>
         </p:blipFill>
         <p:spPr>
           <a:xfrm>
-            <a:off x="5911657" y="1903061"/>
-            <a:ext cx="6176894" cy="3051878"/>
+            <a:off x="5816200" y="2242207"/>
+            <a:ext cx="5948147" cy="2373585"/>
           </a:xfrm>
           <a:prstGeom prst="rect">
             <a:avLst/>
@@ -6187,7 +6562,7 @@
     </p:spTree>
     <p:extLst>
       <p:ext uri="{BB962C8B-B14F-4D97-AF65-F5344CB8AC3E}">
-        <p14:creationId xmlns:p14="http://schemas.microsoft.com/office/powerpoint/2010/main" val="1828043019"/>
+        <p14:creationId xmlns:p14="http://schemas.microsoft.com/office/powerpoint/2010/main" val="1702663135"/>
       </p:ext>
     </p:extLst>
   </p:cSld>
@@ -6219,7 +6594,7 @@
           <p:cNvPr id="2" name="Title 1">
             <a:extLst>
               <a:ext uri="{FF2B5EF4-FFF2-40B4-BE49-F238E27FC236}">
-                <a16:creationId xmlns:a16="http://schemas.microsoft.com/office/drawing/2014/main" id="{9153B8C3-A3CC-4577-9D64-10B645837BBE}"/>
+                <a16:creationId xmlns:a16="http://schemas.microsoft.com/office/drawing/2014/main" id="{0524602B-7AF8-4A8A-B98C-3ABC163053AA}"/>
               </a:ext>
             </a:extLst>
           </p:cNvPr>
@@ -6242,7 +6617,7 @@
                 </a:solidFill>
                 <a:latin typeface="Trebuchet MS" panose="020B0603020202020204" pitchFamily="34" charset="0"/>
               </a:rPr>
-              <a:t>How to Set Breakpoints</a:t>
+              <a:t>Tutorial PowerPoints vs Tutorial Scripts</a:t>
             </a:r>
           </a:p>
         </p:txBody>
@@ -6252,7 +6627,7 @@
           <p:cNvPr id="3" name="Content Placeholder 2">
             <a:extLst>
               <a:ext uri="{FF2B5EF4-FFF2-40B4-BE49-F238E27FC236}">
-                <a16:creationId xmlns:a16="http://schemas.microsoft.com/office/drawing/2014/main" id="{8FB5110B-AB06-4EB3-8EB0-D3BC2D584E09}"/>
+                <a16:creationId xmlns:a16="http://schemas.microsoft.com/office/drawing/2014/main" id="{2540B8C2-B653-442F-BE48-18F1577797B6}"/>
               </a:ext>
             </a:extLst>
           </p:cNvPr>
@@ -6266,117 +6641,279 @@
         <p:spPr>
           <a:xfrm>
             <a:off x="838200" y="1825625"/>
-            <a:ext cx="6903577" cy="4351338"/>
+            <a:ext cx="11049000" cy="4667250"/>
           </a:xfrm>
         </p:spPr>
         <p:txBody>
-          <a:bodyPr/>
-          <a:lstStyle/>
-          <a:p>
-            <a:r>
-              <a:rPr lang="en-US" dirty="0">
-                <a:latin typeface="Trebuchet MS" panose="020B0603020202020204" pitchFamily="34" charset="0"/>
-              </a:rPr>
-              <a:t>Setting Breakpoints</a:t>
+          <a:bodyPr>
+            <a:normAutofit fontScale="85000" lnSpcReduction="10000"/>
+          </a:bodyPr>
+          <a:lstStyle/>
+          <a:p>
+            <a:r>
+              <a:rPr lang="en-US" dirty="0"/>
+              <a:t>Tutorials are PowerPoints. You should have them open as a reference or guide as you run through the tutorial scripts in MATLAB.</a:t>
             </a:r>
           </a:p>
           <a:p>
             <a:pPr lvl="1"/>
             <a:r>
-              <a:rPr lang="en-US" dirty="0">
-                <a:latin typeface="Trebuchet MS" panose="020B0603020202020204" pitchFamily="34" charset="0"/>
-              </a:rPr>
-              <a:t>Click on one of the hash marks on the left side of your code, that will create a breakpoint</a:t>
+              <a:rPr lang="en-US" dirty="0"/>
+              <a:t>Access tutorials through your FILE MANAGER</a:t>
             </a:r>
           </a:p>
           <a:p>
             <a:pPr lvl="1"/>
             <a:r>
-              <a:rPr lang="en-US" dirty="0">
-                <a:latin typeface="Trebuchet MS" panose="020B0603020202020204" pitchFamily="34" charset="0"/>
-              </a:rPr>
-              <a:t>Breakpoints look like small red dots</a:t>
-            </a:r>
-          </a:p>
-        </p:txBody>
-      </p:sp>
-      <p:sp>
-        <p:nvSpPr>
-          <p:cNvPr id="4" name="TextBox 3">
-            <a:extLst>
-              <a:ext uri="{FF2B5EF4-FFF2-40B4-BE49-F238E27FC236}">
-                <a16:creationId xmlns:a16="http://schemas.microsoft.com/office/drawing/2014/main" id="{B7120AFB-E737-484D-BCB0-485F4E4F2012}"/>
-              </a:ext>
-            </a:extLst>
-          </p:cNvPr>
-          <p:cNvSpPr txBox="1"/>
-          <p:nvPr/>
-        </p:nvSpPr>
-        <p:spPr>
-          <a:xfrm>
-            <a:off x="8128932" y="2424418"/>
-            <a:ext cx="2541864" cy="646331"/>
-          </a:xfrm>
-          <a:prstGeom prst="rect">
-            <a:avLst/>
-          </a:prstGeom>
-          <a:noFill/>
-        </p:spPr>
-        <p:txBody>
-          <a:bodyPr wrap="square" rtlCol="0">
-            <a:spAutoFit/>
-          </a:bodyPr>
-          <a:lstStyle/>
-          <a:p>
-            <a:r>
-              <a:rPr lang="en-US" dirty="0">
-                <a:latin typeface="Trebuchet MS" panose="020B0603020202020204" pitchFamily="34" charset="0"/>
-              </a:rPr>
-              <a:t>Insert even cooler screenshots here ;) </a:t>
-            </a:r>
-          </a:p>
-        </p:txBody>
-      </p:sp>
-      <p:pic>
-        <p:nvPicPr>
-          <p:cNvPr id="6" name="Picture 5">
-            <a:extLst>
-              <a:ext uri="{FF2B5EF4-FFF2-40B4-BE49-F238E27FC236}">
-                <a16:creationId xmlns:a16="http://schemas.microsoft.com/office/drawing/2014/main" id="{841851FE-3A63-4E3A-BCE7-2CA7565427AB}"/>
-              </a:ext>
-            </a:extLst>
-          </p:cNvPr>
-          <p:cNvPicPr>
-            <a:picLocks noChangeAspect="1"/>
-          </p:cNvPicPr>
-          <p:nvPr/>
-        </p:nvPicPr>
-        <p:blipFill>
-          <a:blip r:embed="rId2">
-            <a:extLst>
-              <a:ext uri="{28A0092B-C50C-407E-A947-70E740481C1C}">
-                <a14:useLocalDpi xmlns:a14="http://schemas.microsoft.com/office/drawing/2010/main" val="0"/>
-              </a:ext>
-            </a:extLst>
-          </a:blip>
-          <a:stretch>
-            <a:fillRect/>
-          </a:stretch>
-        </p:blipFill>
-        <p:spPr>
-          <a:xfrm>
-            <a:off x="7856868" y="859034"/>
-            <a:ext cx="2698837" cy="5193560"/>
-          </a:xfrm>
-          <a:prstGeom prst="rect">
-            <a:avLst/>
-          </a:prstGeom>
-        </p:spPr>
-      </p:pic>
+              <a:rPr lang="en-US" dirty="0"/>
+              <a:t>Tutorials should be completed in the order below</a:t>
+            </a:r>
+          </a:p>
+          <a:p>
+            <a:r>
+              <a:rPr lang="en-US" dirty="0"/>
+              <a:t>Tutorial Scripts are the MATLAB scripts, i.e. code, that the tutorials were made for </a:t>
+            </a:r>
+          </a:p>
+          <a:p>
+            <a:pPr lvl="1"/>
+            <a:r>
+              <a:rPr lang="en-US" dirty="0"/>
+              <a:t>This is what you’ll actually be working with as you go through each tutorial</a:t>
+            </a:r>
+          </a:p>
+          <a:p>
+            <a:pPr lvl="1"/>
+            <a:r>
+              <a:rPr lang="en-US" dirty="0"/>
+              <a:t>You can:</a:t>
+            </a:r>
+          </a:p>
+          <a:p>
+            <a:pPr lvl="2"/>
+            <a:r>
+              <a:rPr lang="en-US" dirty="0"/>
+              <a:t>Access the scripts through MATLAB </a:t>
+            </a:r>
+          </a:p>
+          <a:p>
+            <a:pPr lvl="2"/>
+            <a:r>
+              <a:rPr lang="en-US" dirty="0"/>
+              <a:t>Each Tutorial </a:t>
+            </a:r>
+            <a:r>
+              <a:rPr lang="en-US" dirty="0">
+                <a:solidFill>
+                  <a:schemeClr val="accent1"/>
+                </a:solidFill>
+              </a:rPr>
+              <a:t>(blue) </a:t>
+            </a:r>
+            <a:r>
+              <a:rPr lang="en-US" dirty="0"/>
+              <a:t>has a corresponding script </a:t>
+            </a:r>
+            <a:r>
+              <a:rPr lang="en-US" dirty="0">
+                <a:solidFill>
+                  <a:srgbClr val="00B050"/>
+                </a:solidFill>
+              </a:rPr>
+              <a:t>(green)</a:t>
+            </a:r>
+            <a:r>
+              <a:rPr lang="en-US" dirty="0"/>
+              <a:t>,</a:t>
+            </a:r>
+            <a:r>
+              <a:rPr lang="en-US" dirty="0">
+                <a:solidFill>
+                  <a:srgbClr val="00B050"/>
+                </a:solidFill>
+              </a:rPr>
+              <a:t> </a:t>
+            </a:r>
+            <a:r>
+              <a:rPr lang="en-US" dirty="0"/>
+              <a:t>this is also the correct order for completing the tutorials</a:t>
+            </a:r>
+          </a:p>
+          <a:p>
+            <a:pPr lvl="3"/>
+            <a:r>
+              <a:rPr lang="en-US" dirty="0" err="1">
+                <a:solidFill>
+                  <a:schemeClr val="accent1"/>
+                </a:solidFill>
+              </a:rPr>
+              <a:t>PreProcessing</a:t>
+            </a:r>
+            <a:r>
+              <a:rPr lang="en-US" dirty="0"/>
+              <a:t> = </a:t>
+            </a:r>
+            <a:r>
+              <a:rPr lang="en-US" dirty="0" err="1">
+                <a:solidFill>
+                  <a:srgbClr val="00B050"/>
+                </a:solidFill>
+              </a:rPr>
+              <a:t>NeuroDOT_PreProcessing_Script</a:t>
+            </a:r>
+            <a:endParaRPr lang="en-US" dirty="0">
+              <a:solidFill>
+                <a:srgbClr val="00B050"/>
+              </a:solidFill>
+            </a:endParaRPr>
+          </a:p>
+          <a:p>
+            <a:pPr lvl="3"/>
+            <a:r>
+              <a:rPr lang="en-US" dirty="0" err="1">
+                <a:solidFill>
+                  <a:schemeClr val="accent1"/>
+                </a:solidFill>
+              </a:rPr>
+              <a:t>Generating_a_Light_Model</a:t>
+            </a:r>
+            <a:r>
+              <a:rPr lang="en-US" dirty="0"/>
+              <a:t> = </a:t>
+            </a:r>
+            <a:r>
+              <a:rPr lang="en-US" dirty="0" err="1">
+                <a:solidFill>
+                  <a:srgbClr val="00B050"/>
+                </a:solidFill>
+              </a:rPr>
+              <a:t>Script_For_Basic_Head_Modeling</a:t>
+            </a:r>
+            <a:endParaRPr lang="en-US" dirty="0">
+              <a:solidFill>
+                <a:srgbClr val="00B050"/>
+              </a:solidFill>
+            </a:endParaRPr>
+          </a:p>
+          <a:p>
+            <a:pPr lvl="3"/>
+            <a:r>
+              <a:rPr lang="en-US" dirty="0" err="1">
+                <a:solidFill>
+                  <a:schemeClr val="accent1"/>
+                </a:solidFill>
+              </a:rPr>
+              <a:t>ImageReconstruction</a:t>
+            </a:r>
+            <a:r>
+              <a:rPr lang="en-US" dirty="0"/>
+              <a:t> = </a:t>
+            </a:r>
+            <a:r>
+              <a:rPr lang="en-US" dirty="0" err="1">
+                <a:solidFill>
+                  <a:srgbClr val="00B050"/>
+                </a:solidFill>
+              </a:rPr>
+              <a:t>NeuroDOT_ImageReconstruction_Script</a:t>
+            </a:r>
+            <a:endParaRPr lang="en-US" dirty="0">
+              <a:solidFill>
+                <a:srgbClr val="00B050"/>
+              </a:solidFill>
+            </a:endParaRPr>
+          </a:p>
+          <a:p>
+            <a:pPr lvl="3"/>
+            <a:r>
+              <a:rPr lang="en-US" dirty="0" err="1">
+                <a:solidFill>
+                  <a:schemeClr val="accent1"/>
+                </a:solidFill>
+              </a:rPr>
+              <a:t>Full_Data_Processing</a:t>
+            </a:r>
+            <a:r>
+              <a:rPr lang="en-US" dirty="0"/>
+              <a:t> = </a:t>
+            </a:r>
+            <a:r>
+              <a:rPr lang="en-US" dirty="0" err="1">
+                <a:solidFill>
+                  <a:srgbClr val="00B050"/>
+                </a:solidFill>
+              </a:rPr>
+              <a:t>NeuroDOT_Full_Processing_Script_Tutorial</a:t>
+            </a:r>
+            <a:endParaRPr lang="en-US" dirty="0">
+              <a:solidFill>
+                <a:srgbClr val="00B050"/>
+              </a:solidFill>
+            </a:endParaRPr>
+          </a:p>
+          <a:p>
+            <a:pPr lvl="3"/>
+            <a:r>
+              <a:rPr lang="en-US" dirty="0">
+                <a:solidFill>
+                  <a:schemeClr val="accent1"/>
+                </a:solidFill>
+              </a:rPr>
+              <a:t>Generating_a_Light_Model_Pad_Adult_96x92_Example</a:t>
+            </a:r>
+            <a:r>
+              <a:rPr lang="en-US" dirty="0"/>
+              <a:t> = </a:t>
+            </a:r>
+            <a:r>
+              <a:rPr lang="en-US" dirty="0">
+                <a:solidFill>
+                  <a:srgbClr val="00B050"/>
+                </a:solidFill>
+              </a:rPr>
+              <a:t>Script_For_Basic_Head_Modeling_Pad_Adult_96x92</a:t>
+            </a:r>
+          </a:p>
+          <a:p>
+            <a:pPr lvl="1"/>
+            <a:r>
+              <a:rPr lang="en-US" dirty="0"/>
+              <a:t>Above formatting is: </a:t>
+            </a:r>
+            <a:r>
+              <a:rPr lang="en-US" dirty="0">
+                <a:solidFill>
+                  <a:schemeClr val="accent1"/>
+                </a:solidFill>
+              </a:rPr>
+              <a:t>Tutorial name </a:t>
+            </a:r>
+            <a:r>
+              <a:rPr lang="en-US" dirty="0"/>
+              <a:t>= </a:t>
+            </a:r>
+            <a:r>
+              <a:rPr lang="en-US" dirty="0">
+                <a:solidFill>
+                  <a:srgbClr val="00B050"/>
+                </a:solidFill>
+              </a:rPr>
+              <a:t>Script name</a:t>
+            </a:r>
+          </a:p>
+          <a:p>
+            <a:pPr lvl="2"/>
+            <a:endParaRPr lang="en-US" dirty="0"/>
+          </a:p>
+          <a:p>
+            <a:endParaRPr lang="en-US" dirty="0"/>
+          </a:p>
+        </p:txBody>
+      </p:sp>
     </p:spTree>
     <p:extLst>
       <p:ext uri="{BB962C8B-B14F-4D97-AF65-F5344CB8AC3E}">
-        <p14:creationId xmlns:p14="http://schemas.microsoft.com/office/powerpoint/2010/main" val="1477270279"/>
+        <p14:creationId xmlns:p14="http://schemas.microsoft.com/office/powerpoint/2010/main" val="1438362766"/>
       </p:ext>
     </p:extLst>
   </p:cSld>

--- a/Documentation/Tutorials/NeuroDOT_Tutorial_Getting_Started.pptx
+++ b/Documentation/Tutorials/NeuroDOT_Tutorial_Getting_Started.pptx
@@ -257,7 +257,7 @@
           <a:p>
             <a:fld id="{162AC784-C7BB-45CE-AB0D-139C9E5F95B5}" type="datetimeFigureOut">
               <a:rPr lang="en-US" smtClean="0"/>
-              <a:t>7/20/2023</a:t>
+              <a:t>2/19/2024</a:t>
             </a:fld>
             <a:endParaRPr lang="en-US"/>
           </a:p>
@@ -427,7 +427,7 @@
           <a:p>
             <a:fld id="{162AC784-C7BB-45CE-AB0D-139C9E5F95B5}" type="datetimeFigureOut">
               <a:rPr lang="en-US" smtClean="0"/>
-              <a:t>7/20/2023</a:t>
+              <a:t>2/19/2024</a:t>
             </a:fld>
             <a:endParaRPr lang="en-US"/>
           </a:p>
@@ -607,7 +607,7 @@
           <a:p>
             <a:fld id="{162AC784-C7BB-45CE-AB0D-139C9E5F95B5}" type="datetimeFigureOut">
               <a:rPr lang="en-US" smtClean="0"/>
-              <a:t>7/20/2023</a:t>
+              <a:t>2/19/2024</a:t>
             </a:fld>
             <a:endParaRPr lang="en-US"/>
           </a:p>
@@ -777,7 +777,7 @@
           <a:p>
             <a:fld id="{162AC784-C7BB-45CE-AB0D-139C9E5F95B5}" type="datetimeFigureOut">
               <a:rPr lang="en-US" smtClean="0"/>
-              <a:t>7/20/2023</a:t>
+              <a:t>2/19/2024</a:t>
             </a:fld>
             <a:endParaRPr lang="en-US"/>
           </a:p>
@@ -1023,7 +1023,7 @@
           <a:p>
             <a:fld id="{162AC784-C7BB-45CE-AB0D-139C9E5F95B5}" type="datetimeFigureOut">
               <a:rPr lang="en-US" smtClean="0"/>
-              <a:t>7/20/2023</a:t>
+              <a:t>2/19/2024</a:t>
             </a:fld>
             <a:endParaRPr lang="en-US"/>
           </a:p>
@@ -1255,7 +1255,7 @@
           <a:p>
             <a:fld id="{162AC784-C7BB-45CE-AB0D-139C9E5F95B5}" type="datetimeFigureOut">
               <a:rPr lang="en-US" smtClean="0"/>
-              <a:t>7/20/2023</a:t>
+              <a:t>2/19/2024</a:t>
             </a:fld>
             <a:endParaRPr lang="en-US"/>
           </a:p>
@@ -1622,7 +1622,7 @@
           <a:p>
             <a:fld id="{162AC784-C7BB-45CE-AB0D-139C9E5F95B5}" type="datetimeFigureOut">
               <a:rPr lang="en-US" smtClean="0"/>
-              <a:t>7/20/2023</a:t>
+              <a:t>2/19/2024</a:t>
             </a:fld>
             <a:endParaRPr lang="en-US"/>
           </a:p>
@@ -1740,7 +1740,7 @@
           <a:p>
             <a:fld id="{162AC784-C7BB-45CE-AB0D-139C9E5F95B5}" type="datetimeFigureOut">
               <a:rPr lang="en-US" smtClean="0"/>
-              <a:t>7/20/2023</a:t>
+              <a:t>2/19/2024</a:t>
             </a:fld>
             <a:endParaRPr lang="en-US"/>
           </a:p>
@@ -1835,7 +1835,7 @@
           <a:p>
             <a:fld id="{162AC784-C7BB-45CE-AB0D-139C9E5F95B5}" type="datetimeFigureOut">
               <a:rPr lang="en-US" smtClean="0"/>
-              <a:t>7/20/2023</a:t>
+              <a:t>2/19/2024</a:t>
             </a:fld>
             <a:endParaRPr lang="en-US"/>
           </a:p>
@@ -2112,7 +2112,7 @@
           <a:p>
             <a:fld id="{162AC784-C7BB-45CE-AB0D-139C9E5F95B5}" type="datetimeFigureOut">
               <a:rPr lang="en-US" smtClean="0"/>
-              <a:t>7/20/2023</a:t>
+              <a:t>2/19/2024</a:t>
             </a:fld>
             <a:endParaRPr lang="en-US"/>
           </a:p>
@@ -2369,7 +2369,7 @@
           <a:p>
             <a:fld id="{162AC784-C7BB-45CE-AB0D-139C9E5F95B5}" type="datetimeFigureOut">
               <a:rPr lang="en-US" smtClean="0"/>
-              <a:t>7/20/2023</a:t>
+              <a:t>2/19/2024</a:t>
             </a:fld>
             <a:endParaRPr lang="en-US"/>
           </a:p>
@@ -2582,7 +2582,7 @@
           <a:p>
             <a:fld id="{162AC784-C7BB-45CE-AB0D-139C9E5F95B5}" type="datetimeFigureOut">
               <a:rPr lang="en-US" smtClean="0"/>
-              <a:t>7/20/2023</a:t>
+              <a:t>2/19/2024</a:t>
             </a:fld>
             <a:endParaRPr lang="en-US"/>
           </a:p>
@@ -4634,7 +4634,19 @@
               <a:rPr lang="en-US" sz="2400" dirty="0">
                 <a:latin typeface="Trebuchet MS" panose="020B0603020202020204" pitchFamily="34" charset="0"/>
               </a:rPr>
-              <a:t>If you have any questions about the material presented in this tutorial, please consult the NeuroDOT User Manual on the WUSTL Optical Radiology Lab (ORL) </a:t>
+              <a:t>If you have any questions about the material presented in this tutorial, please </a:t>
+            </a:r>
+            <a:r>
+              <a:rPr lang="en-US" sz="2400">
+                <a:latin typeface="Trebuchet MS" panose="020B0603020202020204" pitchFamily="34" charset="0"/>
+              </a:rPr>
+              <a:t>consult the WUSTL </a:t>
+            </a:r>
+            <a:r>
+              <a:rPr lang="en-US" sz="2400" dirty="0">
+                <a:latin typeface="Trebuchet MS" panose="020B0603020202020204" pitchFamily="34" charset="0"/>
+              </a:rPr>
+              <a:t>Optical Radiology Lab (ORL) </a:t>
             </a:r>
             <a:r>
               <a:rPr lang="en-US" sz="2400" dirty="0" err="1">

--- a/Documentation/Tutorials/NeuroDOT_Tutorial_Getting_Started.pptx
+++ b/Documentation/Tutorials/NeuroDOT_Tutorial_Getting_Started.pptx
@@ -257,7 +257,7 @@
           <a:p>
             <a:fld id="{162AC784-C7BB-45CE-AB0D-139C9E5F95B5}" type="datetimeFigureOut">
               <a:rPr lang="en-US" smtClean="0"/>
-              <a:t>2/19/2024</a:t>
+              <a:t>3/6/2024</a:t>
             </a:fld>
             <a:endParaRPr lang="en-US"/>
           </a:p>
@@ -427,7 +427,7 @@
           <a:p>
             <a:fld id="{162AC784-C7BB-45CE-AB0D-139C9E5F95B5}" type="datetimeFigureOut">
               <a:rPr lang="en-US" smtClean="0"/>
-              <a:t>2/19/2024</a:t>
+              <a:t>3/6/2024</a:t>
             </a:fld>
             <a:endParaRPr lang="en-US"/>
           </a:p>
@@ -607,7 +607,7 @@
           <a:p>
             <a:fld id="{162AC784-C7BB-45CE-AB0D-139C9E5F95B5}" type="datetimeFigureOut">
               <a:rPr lang="en-US" smtClean="0"/>
-              <a:t>2/19/2024</a:t>
+              <a:t>3/6/2024</a:t>
             </a:fld>
             <a:endParaRPr lang="en-US"/>
           </a:p>
@@ -777,7 +777,7 @@
           <a:p>
             <a:fld id="{162AC784-C7BB-45CE-AB0D-139C9E5F95B5}" type="datetimeFigureOut">
               <a:rPr lang="en-US" smtClean="0"/>
-              <a:t>2/19/2024</a:t>
+              <a:t>3/6/2024</a:t>
             </a:fld>
             <a:endParaRPr lang="en-US"/>
           </a:p>
@@ -1023,7 +1023,7 @@
           <a:p>
             <a:fld id="{162AC784-C7BB-45CE-AB0D-139C9E5F95B5}" type="datetimeFigureOut">
               <a:rPr lang="en-US" smtClean="0"/>
-              <a:t>2/19/2024</a:t>
+              <a:t>3/6/2024</a:t>
             </a:fld>
             <a:endParaRPr lang="en-US"/>
           </a:p>
@@ -1255,7 +1255,7 @@
           <a:p>
             <a:fld id="{162AC784-C7BB-45CE-AB0D-139C9E5F95B5}" type="datetimeFigureOut">
               <a:rPr lang="en-US" smtClean="0"/>
-              <a:t>2/19/2024</a:t>
+              <a:t>3/6/2024</a:t>
             </a:fld>
             <a:endParaRPr lang="en-US"/>
           </a:p>
@@ -1622,7 +1622,7 @@
           <a:p>
             <a:fld id="{162AC784-C7BB-45CE-AB0D-139C9E5F95B5}" type="datetimeFigureOut">
               <a:rPr lang="en-US" smtClean="0"/>
-              <a:t>2/19/2024</a:t>
+              <a:t>3/6/2024</a:t>
             </a:fld>
             <a:endParaRPr lang="en-US"/>
           </a:p>
@@ -1740,7 +1740,7 @@
           <a:p>
             <a:fld id="{162AC784-C7BB-45CE-AB0D-139C9E5F95B5}" type="datetimeFigureOut">
               <a:rPr lang="en-US" smtClean="0"/>
-              <a:t>2/19/2024</a:t>
+              <a:t>3/6/2024</a:t>
             </a:fld>
             <a:endParaRPr lang="en-US"/>
           </a:p>
@@ -1835,7 +1835,7 @@
           <a:p>
             <a:fld id="{162AC784-C7BB-45CE-AB0D-139C9E5F95B5}" type="datetimeFigureOut">
               <a:rPr lang="en-US" smtClean="0"/>
-              <a:t>2/19/2024</a:t>
+              <a:t>3/6/2024</a:t>
             </a:fld>
             <a:endParaRPr lang="en-US"/>
           </a:p>
@@ -2112,7 +2112,7 @@
           <a:p>
             <a:fld id="{162AC784-C7BB-45CE-AB0D-139C9E5F95B5}" type="datetimeFigureOut">
               <a:rPr lang="en-US" smtClean="0"/>
-              <a:t>2/19/2024</a:t>
+              <a:t>3/6/2024</a:t>
             </a:fld>
             <a:endParaRPr lang="en-US"/>
           </a:p>
@@ -2369,7 +2369,7 @@
           <a:p>
             <a:fld id="{162AC784-C7BB-45CE-AB0D-139C9E5F95B5}" type="datetimeFigureOut">
               <a:rPr lang="en-US" smtClean="0"/>
-              <a:t>2/19/2024</a:t>
+              <a:t>3/6/2024</a:t>
             </a:fld>
             <a:endParaRPr lang="en-US"/>
           </a:p>
@@ -2582,7 +2582,7 @@
           <a:p>
             <a:fld id="{162AC784-C7BB-45CE-AB0D-139C9E5F95B5}" type="datetimeFigureOut">
               <a:rPr lang="en-US" smtClean="0"/>
-              <a:t>2/19/2024</a:t>
+              <a:t>3/6/2024</a:t>
             </a:fld>
             <a:endParaRPr lang="en-US"/>
           </a:p>
@@ -4493,7 +4493,7 @@
         <p:spPr/>
         <p:txBody>
           <a:bodyPr>
-            <a:normAutofit fontScale="70000" lnSpcReduction="20000"/>
+            <a:normAutofit fontScale="77500" lnSpcReduction="20000"/>
           </a:bodyPr>
           <a:lstStyle/>
           <a:p>
@@ -4634,109 +4634,56 @@
               <a:rPr lang="en-US" sz="2400" dirty="0">
                 <a:latin typeface="Trebuchet MS" panose="020B0603020202020204" pitchFamily="34" charset="0"/>
               </a:rPr>
-              <a:t>If you have any questions about the material presented in this tutorial, please </a:t>
+              <a:t>If you have any questions about the material presented in this tutorial, please consult the WUSTL Optical Radiology Lab (ORL) </a:t>
+            </a:r>
+            <a:r>
+              <a:rPr lang="en-US" sz="2400" dirty="0" err="1">
+                <a:latin typeface="Trebuchet MS" panose="020B0603020202020204" pitchFamily="34" charset="0"/>
+              </a:rPr>
+              <a:t>github</a:t>
+            </a:r>
+            <a:r>
+              <a:rPr lang="en-US" sz="2400" dirty="0">
+                <a:latin typeface="Trebuchet MS" panose="020B0603020202020204" pitchFamily="34" charset="0"/>
+              </a:rPr>
+              <a:t> page </a:t>
+            </a:r>
+            <a:r>
+              <a:rPr lang="en-US" sz="2400" dirty="0">
+                <a:latin typeface="Trebuchet MS" panose="020B0603020202020204" pitchFamily="34" charset="0"/>
+                <a:hlinkClick r:id="rId2"/>
+              </a:rPr>
+              <a:t>https://github.com/WUSTL-ORL/NeuroDOT</a:t>
+            </a:r>
+            <a:r>
+              <a:rPr lang="en-US" sz="2400" dirty="0">
+                <a:latin typeface="Trebuchet MS" panose="020B0603020202020204" pitchFamily="34" charset="0"/>
+              </a:rPr>
+              <a:t> in the documentation folder, or </a:t>
             </a:r>
             <a:r>
               <a:rPr lang="en-US" sz="2400">
                 <a:latin typeface="Trebuchet MS" panose="020B0603020202020204" pitchFamily="34" charset="0"/>
               </a:rPr>
-              <a:t>consult the WUSTL </a:t>
-            </a:r>
-            <a:r>
-              <a:rPr lang="en-US" sz="2400" dirty="0">
-                <a:latin typeface="Trebuchet MS" panose="020B0603020202020204" pitchFamily="34" charset="0"/>
-              </a:rPr>
-              <a:t>Optical Radiology Lab (ORL) </a:t>
-            </a:r>
-            <a:r>
-              <a:rPr lang="en-US" sz="2400" dirty="0" err="1">
-                <a:latin typeface="Trebuchet MS" panose="020B0603020202020204" pitchFamily="34" charset="0"/>
-              </a:rPr>
-              <a:t>github</a:t>
-            </a:r>
-            <a:r>
-              <a:rPr lang="en-US" sz="2400" dirty="0">
-                <a:latin typeface="Trebuchet MS" panose="020B0603020202020204" pitchFamily="34" charset="0"/>
-              </a:rPr>
-              <a:t> page </a:t>
-            </a:r>
-            <a:r>
-              <a:rPr lang="en-US" sz="2400" dirty="0">
-                <a:latin typeface="Trebuchet MS" panose="020B0603020202020204" pitchFamily="34" charset="0"/>
-                <a:hlinkClick r:id="rId2"/>
-              </a:rPr>
-              <a:t>https://github.com/WUSTL-ORL/NeuroDOT</a:t>
-            </a:r>
-            <a:r>
-              <a:rPr lang="en-US" sz="2400" dirty="0">
-                <a:latin typeface="Trebuchet MS" panose="020B0603020202020204" pitchFamily="34" charset="0"/>
-              </a:rPr>
-              <a:t> in the documentation folder, or contact either: Adam Eggebrecht: </a:t>
-            </a:r>
-            <a:r>
-              <a:rPr lang="en-US" sz="2400" dirty="0">
-                <a:latin typeface="Trebuchet MS" panose="020B0603020202020204" pitchFamily="34" charset="0"/>
+              <a:t>contact </a:t>
+            </a:r>
+            <a:r>
+              <a:rPr lang="en-US" sz="2400"/>
+              <a:t>NeuroDOT Support: </a:t>
+            </a:r>
+            <a:r>
+              <a:rPr lang="en-US" sz="2400">
                 <a:hlinkClick r:id="rId3"/>
               </a:rPr>
-              <a:t>aeggebre@wustl.edu</a:t>
-            </a:r>
-            <a:r>
-              <a:rPr lang="en-US" sz="2400" dirty="0">
-                <a:latin typeface="Trebuchet MS" panose="020B0603020202020204" pitchFamily="34" charset="0"/>
-              </a:rPr>
-              <a:t>, Emma Speh: </a:t>
-            </a:r>
-            <a:r>
-              <a:rPr lang="en-US" sz="2400" dirty="0">
-                <a:latin typeface="Trebuchet MS" panose="020B0603020202020204" pitchFamily="34" charset="0"/>
-                <a:hlinkClick r:id="rId4"/>
-              </a:rPr>
-              <a:t>espeh@wustl.edu</a:t>
-            </a:r>
-            <a:r>
-              <a:rPr lang="en-US" sz="2400" dirty="0">
-                <a:latin typeface="Trebuchet MS" panose="020B0603020202020204" pitchFamily="34" charset="0"/>
-              </a:rPr>
-              <a:t>, Ari Segel: </a:t>
-            </a:r>
-            <a:r>
-              <a:rPr lang="en-US" sz="2400" dirty="0">
-                <a:latin typeface="Trebuchet MS" panose="020B0603020202020204" pitchFamily="34" charset="0"/>
-                <a:hlinkClick r:id="rId5"/>
-              </a:rPr>
-              <a:t>ari@wustl.edu</a:t>
-            </a:r>
-            <a:r>
-              <a:rPr lang="en-US" sz="2400" dirty="0">
-                <a:latin typeface="Trebuchet MS" panose="020B0603020202020204" pitchFamily="34" charset="0"/>
-              </a:rPr>
-              <a:t>, or Jason </a:t>
-            </a:r>
-            <a:r>
-              <a:rPr lang="en-US" sz="2400" dirty="0" err="1">
-                <a:latin typeface="Trebuchet MS" panose="020B0603020202020204" pitchFamily="34" charset="0"/>
-              </a:rPr>
-              <a:t>Trobaugh</a:t>
-            </a:r>
-            <a:r>
-              <a:rPr lang="en-US" sz="2400" dirty="0">
-                <a:latin typeface="Trebuchet MS" panose="020B0603020202020204" pitchFamily="34" charset="0"/>
-              </a:rPr>
-              <a:t>: </a:t>
-            </a:r>
-            <a:r>
-              <a:rPr lang="en-US" sz="2400" dirty="0">
-                <a:latin typeface="Trebuchet MS" panose="020B0603020202020204" pitchFamily="34" charset="0"/>
-                <a:hlinkClick r:id="rId6"/>
-              </a:rPr>
-              <a:t>jasont@wustl.edu</a:t>
-            </a:r>
-            <a:r>
-              <a:rPr lang="en-US" sz="2400" dirty="0">
-                <a:latin typeface="Trebuchet MS" panose="020B0603020202020204" pitchFamily="34" charset="0"/>
-              </a:rPr>
+              <a:t>neurodot-support@wustl.edu</a:t>
+            </a:r>
+            <a:r>
+              <a:rPr lang="en-US" sz="2400"/>
               <a:t> </a:t>
             </a:r>
+            <a:endParaRPr lang="en-US" sz="2400" dirty="0">
+              <a:latin typeface="Trebuchet MS" panose="020B0603020202020204" pitchFamily="34" charset="0"/>
+            </a:endParaRPr>
           </a:p>
         </p:txBody>
       </p:sp>

--- a/Documentation/Tutorials/NeuroDOT_Tutorial_Getting_Started.pptx
+++ b/Documentation/Tutorials/NeuroDOT_Tutorial_Getting_Started.pptx
@@ -19,7 +19,8 @@
     <p:sldId id="285" r:id="rId13"/>
     <p:sldId id="296" r:id="rId14"/>
     <p:sldId id="279" r:id="rId15"/>
-    <p:sldId id="282" r:id="rId16"/>
+    <p:sldId id="694" r:id="rId16"/>
+    <p:sldId id="282" r:id="rId17"/>
   </p:sldIdLst>
   <p:sldSz cx="12192000" cy="6858000"/>
   <p:notesSz cx="6858000" cy="9144000"/>
@@ -257,7 +258,7 @@
           <a:p>
             <a:fld id="{162AC784-C7BB-45CE-AB0D-139C9E5F95B5}" type="datetimeFigureOut">
               <a:rPr lang="en-US" smtClean="0"/>
-              <a:t>3/6/2024</a:t>
+              <a:t>6/3/2024</a:t>
             </a:fld>
             <a:endParaRPr lang="en-US"/>
           </a:p>
@@ -427,7 +428,7 @@
           <a:p>
             <a:fld id="{162AC784-C7BB-45CE-AB0D-139C9E5F95B5}" type="datetimeFigureOut">
               <a:rPr lang="en-US" smtClean="0"/>
-              <a:t>3/6/2024</a:t>
+              <a:t>6/3/2024</a:t>
             </a:fld>
             <a:endParaRPr lang="en-US"/>
           </a:p>
@@ -607,7 +608,7 @@
           <a:p>
             <a:fld id="{162AC784-C7BB-45CE-AB0D-139C9E5F95B5}" type="datetimeFigureOut">
               <a:rPr lang="en-US" smtClean="0"/>
-              <a:t>3/6/2024</a:t>
+              <a:t>6/3/2024</a:t>
             </a:fld>
             <a:endParaRPr lang="en-US"/>
           </a:p>
@@ -777,7 +778,7 @@
           <a:p>
             <a:fld id="{162AC784-C7BB-45CE-AB0D-139C9E5F95B5}" type="datetimeFigureOut">
               <a:rPr lang="en-US" smtClean="0"/>
-              <a:t>3/6/2024</a:t>
+              <a:t>6/3/2024</a:t>
             </a:fld>
             <a:endParaRPr lang="en-US"/>
           </a:p>
@@ -1023,7 +1024,7 @@
           <a:p>
             <a:fld id="{162AC784-C7BB-45CE-AB0D-139C9E5F95B5}" type="datetimeFigureOut">
               <a:rPr lang="en-US" smtClean="0"/>
-              <a:t>3/6/2024</a:t>
+              <a:t>6/3/2024</a:t>
             </a:fld>
             <a:endParaRPr lang="en-US"/>
           </a:p>
@@ -1255,7 +1256,7 @@
           <a:p>
             <a:fld id="{162AC784-C7BB-45CE-AB0D-139C9E5F95B5}" type="datetimeFigureOut">
               <a:rPr lang="en-US" smtClean="0"/>
-              <a:t>3/6/2024</a:t>
+              <a:t>6/3/2024</a:t>
             </a:fld>
             <a:endParaRPr lang="en-US"/>
           </a:p>
@@ -1622,7 +1623,7 @@
           <a:p>
             <a:fld id="{162AC784-C7BB-45CE-AB0D-139C9E5F95B5}" type="datetimeFigureOut">
               <a:rPr lang="en-US" smtClean="0"/>
-              <a:t>3/6/2024</a:t>
+              <a:t>6/3/2024</a:t>
             </a:fld>
             <a:endParaRPr lang="en-US"/>
           </a:p>
@@ -1740,7 +1741,7 @@
           <a:p>
             <a:fld id="{162AC784-C7BB-45CE-AB0D-139C9E5F95B5}" type="datetimeFigureOut">
               <a:rPr lang="en-US" smtClean="0"/>
-              <a:t>3/6/2024</a:t>
+              <a:t>6/3/2024</a:t>
             </a:fld>
             <a:endParaRPr lang="en-US"/>
           </a:p>
@@ -1835,7 +1836,7 @@
           <a:p>
             <a:fld id="{162AC784-C7BB-45CE-AB0D-139C9E5F95B5}" type="datetimeFigureOut">
               <a:rPr lang="en-US" smtClean="0"/>
-              <a:t>3/6/2024</a:t>
+              <a:t>6/3/2024</a:t>
             </a:fld>
             <a:endParaRPr lang="en-US"/>
           </a:p>
@@ -2112,7 +2113,7 @@
           <a:p>
             <a:fld id="{162AC784-C7BB-45CE-AB0D-139C9E5F95B5}" type="datetimeFigureOut">
               <a:rPr lang="en-US" smtClean="0"/>
-              <a:t>3/6/2024</a:t>
+              <a:t>6/3/2024</a:t>
             </a:fld>
             <a:endParaRPr lang="en-US"/>
           </a:p>
@@ -2369,7 +2370,7 @@
           <a:p>
             <a:fld id="{162AC784-C7BB-45CE-AB0D-139C9E5F95B5}" type="datetimeFigureOut">
               <a:rPr lang="en-US" smtClean="0"/>
-              <a:t>3/6/2024</a:t>
+              <a:t>6/3/2024</a:t>
             </a:fld>
             <a:endParaRPr lang="en-US"/>
           </a:p>
@@ -2582,7 +2583,7 @@
           <a:p>
             <a:fld id="{162AC784-C7BB-45CE-AB0D-139C9E5F95B5}" type="datetimeFigureOut">
               <a:rPr lang="en-US" smtClean="0"/>
-              <a:t>3/6/2024</a:t>
+              <a:t>6/3/2024</a:t>
             </a:fld>
             <a:endParaRPr lang="en-US"/>
           </a:p>
@@ -4446,6 +4447,195 @@
           <p:cNvPr id="2" name="Title 1">
             <a:extLst>
               <a:ext uri="{FF2B5EF4-FFF2-40B4-BE49-F238E27FC236}">
+                <a16:creationId xmlns:a16="http://schemas.microsoft.com/office/drawing/2014/main" id="{A803BCE7-414D-3EAA-9C61-81A68BF81CB3}"/>
+              </a:ext>
+            </a:extLst>
+          </p:cNvPr>
+          <p:cNvSpPr>
+            <a:spLocks noGrp="1"/>
+          </p:cNvSpPr>
+          <p:nvPr>
+            <p:ph type="title"/>
+          </p:nvPr>
+        </p:nvSpPr>
+        <p:spPr/>
+        <p:txBody>
+          <a:bodyPr/>
+          <a:lstStyle/>
+          <a:p>
+            <a:r>
+              <a:rPr lang="en-US" dirty="0">
+                <a:solidFill>
+                  <a:srgbClr val="FF0000"/>
+                </a:solidFill>
+              </a:rPr>
+              <a:t>Help Expand NeuroDOT’s Utility!</a:t>
+            </a:r>
+          </a:p>
+        </p:txBody>
+      </p:sp>
+      <p:sp>
+        <p:nvSpPr>
+          <p:cNvPr id="3" name="Content Placeholder 2">
+            <a:extLst>
+              <a:ext uri="{FF2B5EF4-FFF2-40B4-BE49-F238E27FC236}">
+                <a16:creationId xmlns:a16="http://schemas.microsoft.com/office/drawing/2014/main" id="{B4AE1AFD-E0BF-B7CE-30F1-4AED6553B085}"/>
+              </a:ext>
+            </a:extLst>
+          </p:cNvPr>
+          <p:cNvSpPr>
+            <a:spLocks noGrp="1"/>
+          </p:cNvSpPr>
+          <p:nvPr>
+            <p:ph idx="1"/>
+          </p:nvPr>
+        </p:nvSpPr>
+        <p:spPr>
+          <a:xfrm>
+            <a:off x="677334" y="2170316"/>
+            <a:ext cx="10062002" cy="3880773"/>
+          </a:xfrm>
+        </p:spPr>
+        <p:txBody>
+          <a:bodyPr>
+            <a:normAutofit fontScale="77500" lnSpcReduction="20000"/>
+          </a:bodyPr>
+          <a:lstStyle/>
+          <a:p>
+            <a:r>
+              <a:rPr lang="en-US" dirty="0"/>
+              <a:t>Please fill out the NeuroDOT registration form to help us better develop the NeuroDOT toolbox and expand its utility to address your fNIRS/DOT data analysis needs:</a:t>
+            </a:r>
+          </a:p>
+          <a:p>
+            <a:pPr lvl="1"/>
+            <a:r>
+              <a:rPr lang="en-US" dirty="0">
+                <a:hlinkClick r:id="rId2"/>
+              </a:rPr>
+              <a:t>https://forms.gle/8QNGnx7ZbKuUHg3bA</a:t>
+            </a:r>
+            <a:r>
+              <a:rPr lang="en-US" dirty="0"/>
+              <a:t> </a:t>
+            </a:r>
+          </a:p>
+          <a:p>
+            <a:pPr marL="457200" lvl="1" indent="0">
+              <a:buNone/>
+            </a:pPr>
+            <a:endParaRPr lang="en-US" dirty="0"/>
+          </a:p>
+          <a:p>
+            <a:pPr marL="457200" lvl="1" indent="0">
+              <a:buNone/>
+            </a:pPr>
+            <a:endParaRPr lang="en-US" dirty="0"/>
+          </a:p>
+          <a:p>
+            <a:pPr marL="457200" lvl="1" indent="0">
+              <a:buNone/>
+            </a:pPr>
+            <a:endParaRPr lang="en-US" dirty="0"/>
+          </a:p>
+          <a:p>
+            <a:r>
+              <a:rPr lang="en-US" dirty="0"/>
+              <a:t>Additionally, please provide specific feedback, or ask questions to the development team:</a:t>
+            </a:r>
+          </a:p>
+          <a:p>
+            <a:pPr lvl="1"/>
+            <a:r>
+              <a:rPr lang="en-US" dirty="0">
+                <a:hlinkClick r:id="rId3"/>
+              </a:rPr>
+              <a:t>https://forms.gle/jv6RkX5s784LgQC89</a:t>
+            </a:r>
+            <a:r>
+              <a:rPr lang="en-US" dirty="0"/>
+              <a:t> </a:t>
+            </a:r>
+          </a:p>
+          <a:p>
+            <a:endParaRPr lang="en-US" dirty="0"/>
+          </a:p>
+          <a:p>
+            <a:r>
+              <a:rPr lang="en-US" b="1" i="1" dirty="0">
+                <a:solidFill>
+                  <a:schemeClr val="accent1"/>
+                </a:solidFill>
+              </a:rPr>
+              <a:t>Note: you will not be contacted by the NeuroDOT development team unless you opt-in to receiving communications.</a:t>
+            </a:r>
+          </a:p>
+        </p:txBody>
+      </p:sp>
+      <p:sp>
+        <p:nvSpPr>
+          <p:cNvPr id="4" name="Slide Number Placeholder 3">
+            <a:extLst>
+              <a:ext uri="{FF2B5EF4-FFF2-40B4-BE49-F238E27FC236}">
+                <a16:creationId xmlns:a16="http://schemas.microsoft.com/office/drawing/2014/main" id="{57A55562-6001-7F2E-323C-203129D6ED5A}"/>
+              </a:ext>
+            </a:extLst>
+          </p:cNvPr>
+          <p:cNvSpPr>
+            <a:spLocks noGrp="1"/>
+          </p:cNvSpPr>
+          <p:nvPr>
+            <p:ph type="sldNum" sz="quarter" idx="12"/>
+          </p:nvPr>
+        </p:nvSpPr>
+        <p:spPr/>
+        <p:txBody>
+          <a:bodyPr/>
+          <a:lstStyle/>
+          <a:p>
+            <a:fld id="{A6EA515B-EB3D-473C-ADE9-FD8348C61D57}" type="slidenum">
+              <a:rPr lang="en-US" smtClean="0"/>
+              <a:t>15</a:t>
+            </a:fld>
+            <a:endParaRPr lang="en-US"/>
+          </a:p>
+        </p:txBody>
+      </p:sp>
+    </p:spTree>
+    <p:extLst>
+      <p:ext uri="{BB962C8B-B14F-4D97-AF65-F5344CB8AC3E}">
+        <p14:creationId xmlns:p14="http://schemas.microsoft.com/office/powerpoint/2010/main" val="1735739344"/>
+      </p:ext>
+    </p:extLst>
+  </p:cSld>
+  <p:clrMapOvr>
+    <a:masterClrMapping/>
+  </p:clrMapOvr>
+</p:sld>
+</file>
+
+<file path=ppt/slides/slide16.xml><?xml version="1.0" encoding="utf-8"?>
+<p:sld xmlns:a="http://schemas.openxmlformats.org/drawingml/2006/main" xmlns:r="http://schemas.openxmlformats.org/officeDocument/2006/relationships" xmlns:p="http://schemas.openxmlformats.org/presentationml/2006/main">
+  <p:cSld>
+    <p:spTree>
+      <p:nvGrpSpPr>
+        <p:cNvPr id="1" name=""/>
+        <p:cNvGrpSpPr/>
+        <p:nvPr/>
+      </p:nvGrpSpPr>
+      <p:grpSpPr>
+        <a:xfrm>
+          <a:off x="0" y="0"/>
+          <a:ext cx="0" cy="0"/>
+          <a:chOff x="0" y="0"/>
+          <a:chExt cx="0" cy="0"/>
+        </a:xfrm>
+      </p:grpSpPr>
+      <p:sp>
+        <p:nvSpPr>
+          <p:cNvPr id="2" name="Title 1">
+            <a:extLst>
+              <a:ext uri="{FF2B5EF4-FFF2-40B4-BE49-F238E27FC236}">
                 <a16:creationId xmlns:a16="http://schemas.microsoft.com/office/drawing/2014/main" id="{6EF9240B-3C26-422B-919D-F6DAEE44984A}"/>
               </a:ext>
             </a:extLst>

--- a/Documentation/Tutorials/NeuroDOT_Tutorial_Getting_Started.pptx
+++ b/Documentation/Tutorials/NeuroDOT_Tutorial_Getting_Started.pptx
@@ -7,20 +7,21 @@
   <p:sldIdLst>
     <p:sldId id="277" r:id="rId2"/>
     <p:sldId id="291" r:id="rId3"/>
-    <p:sldId id="292" r:id="rId4"/>
-    <p:sldId id="290" r:id="rId5"/>
-    <p:sldId id="257" r:id="rId6"/>
-    <p:sldId id="297" r:id="rId7"/>
-    <p:sldId id="298" r:id="rId8"/>
-    <p:sldId id="293" r:id="rId9"/>
-    <p:sldId id="286" r:id="rId10"/>
-    <p:sldId id="287" r:id="rId11"/>
-    <p:sldId id="295" r:id="rId12"/>
-    <p:sldId id="285" r:id="rId13"/>
-    <p:sldId id="296" r:id="rId14"/>
-    <p:sldId id="279" r:id="rId15"/>
-    <p:sldId id="694" r:id="rId16"/>
-    <p:sldId id="282" r:id="rId17"/>
+    <p:sldId id="695" r:id="rId4"/>
+    <p:sldId id="292" r:id="rId5"/>
+    <p:sldId id="290" r:id="rId6"/>
+    <p:sldId id="257" r:id="rId7"/>
+    <p:sldId id="297" r:id="rId8"/>
+    <p:sldId id="298" r:id="rId9"/>
+    <p:sldId id="293" r:id="rId10"/>
+    <p:sldId id="286" r:id="rId11"/>
+    <p:sldId id="287" r:id="rId12"/>
+    <p:sldId id="295" r:id="rId13"/>
+    <p:sldId id="285" r:id="rId14"/>
+    <p:sldId id="296" r:id="rId15"/>
+    <p:sldId id="279" r:id="rId16"/>
+    <p:sldId id="694" r:id="rId17"/>
+    <p:sldId id="282" r:id="rId18"/>
   </p:sldIdLst>
   <p:sldSz cx="12192000" cy="6858000"/>
   <p:notesSz cx="6858000" cy="9144000"/>
@@ -258,7 +259,7 @@
           <a:p>
             <a:fld id="{162AC784-C7BB-45CE-AB0D-139C9E5F95B5}" type="datetimeFigureOut">
               <a:rPr lang="en-US" smtClean="0"/>
-              <a:t>6/3/2024</a:t>
+              <a:t>10/15/2024</a:t>
             </a:fld>
             <a:endParaRPr lang="en-US"/>
           </a:p>
@@ -428,7 +429,7 @@
           <a:p>
             <a:fld id="{162AC784-C7BB-45CE-AB0D-139C9E5F95B5}" type="datetimeFigureOut">
               <a:rPr lang="en-US" smtClean="0"/>
-              <a:t>6/3/2024</a:t>
+              <a:t>10/15/2024</a:t>
             </a:fld>
             <a:endParaRPr lang="en-US"/>
           </a:p>
@@ -608,7 +609,7 @@
           <a:p>
             <a:fld id="{162AC784-C7BB-45CE-AB0D-139C9E5F95B5}" type="datetimeFigureOut">
               <a:rPr lang="en-US" smtClean="0"/>
-              <a:t>6/3/2024</a:t>
+              <a:t>10/15/2024</a:t>
             </a:fld>
             <a:endParaRPr lang="en-US"/>
           </a:p>
@@ -778,7 +779,7 @@
           <a:p>
             <a:fld id="{162AC784-C7BB-45CE-AB0D-139C9E5F95B5}" type="datetimeFigureOut">
               <a:rPr lang="en-US" smtClean="0"/>
-              <a:t>6/3/2024</a:t>
+              <a:t>10/15/2024</a:t>
             </a:fld>
             <a:endParaRPr lang="en-US"/>
           </a:p>
@@ -1024,7 +1025,7 @@
           <a:p>
             <a:fld id="{162AC784-C7BB-45CE-AB0D-139C9E5F95B5}" type="datetimeFigureOut">
               <a:rPr lang="en-US" smtClean="0"/>
-              <a:t>6/3/2024</a:t>
+              <a:t>10/15/2024</a:t>
             </a:fld>
             <a:endParaRPr lang="en-US"/>
           </a:p>
@@ -1256,7 +1257,7 @@
           <a:p>
             <a:fld id="{162AC784-C7BB-45CE-AB0D-139C9E5F95B5}" type="datetimeFigureOut">
               <a:rPr lang="en-US" smtClean="0"/>
-              <a:t>6/3/2024</a:t>
+              <a:t>10/15/2024</a:t>
             </a:fld>
             <a:endParaRPr lang="en-US"/>
           </a:p>
@@ -1623,7 +1624,7 @@
           <a:p>
             <a:fld id="{162AC784-C7BB-45CE-AB0D-139C9E5F95B5}" type="datetimeFigureOut">
               <a:rPr lang="en-US" smtClean="0"/>
-              <a:t>6/3/2024</a:t>
+              <a:t>10/15/2024</a:t>
             </a:fld>
             <a:endParaRPr lang="en-US"/>
           </a:p>
@@ -1741,7 +1742,7 @@
           <a:p>
             <a:fld id="{162AC784-C7BB-45CE-AB0D-139C9E5F95B5}" type="datetimeFigureOut">
               <a:rPr lang="en-US" smtClean="0"/>
-              <a:t>6/3/2024</a:t>
+              <a:t>10/15/2024</a:t>
             </a:fld>
             <a:endParaRPr lang="en-US"/>
           </a:p>
@@ -1836,7 +1837,7 @@
           <a:p>
             <a:fld id="{162AC784-C7BB-45CE-AB0D-139C9E5F95B5}" type="datetimeFigureOut">
               <a:rPr lang="en-US" smtClean="0"/>
-              <a:t>6/3/2024</a:t>
+              <a:t>10/15/2024</a:t>
             </a:fld>
             <a:endParaRPr lang="en-US"/>
           </a:p>
@@ -2113,7 +2114,7 @@
           <a:p>
             <a:fld id="{162AC784-C7BB-45CE-AB0D-139C9E5F95B5}" type="datetimeFigureOut">
               <a:rPr lang="en-US" smtClean="0"/>
-              <a:t>6/3/2024</a:t>
+              <a:t>10/15/2024</a:t>
             </a:fld>
             <a:endParaRPr lang="en-US"/>
           </a:p>
@@ -2370,7 +2371,7 @@
           <a:p>
             <a:fld id="{162AC784-C7BB-45CE-AB0D-139C9E5F95B5}" type="datetimeFigureOut">
               <a:rPr lang="en-US" smtClean="0"/>
-              <a:t>6/3/2024</a:t>
+              <a:t>10/15/2024</a:t>
             </a:fld>
             <a:endParaRPr lang="en-US"/>
           </a:p>
@@ -2583,7 +2584,7 @@
           <a:p>
             <a:fld id="{162AC784-C7BB-45CE-AB0D-139C9E5F95B5}" type="datetimeFigureOut">
               <a:rPr lang="en-US" smtClean="0"/>
-              <a:t>6/3/2024</a:t>
+              <a:t>10/15/2024</a:t>
             </a:fld>
             <a:endParaRPr lang="en-US"/>
           </a:p>
@@ -3126,6 +3127,357 @@
           <p:cNvPr id="2" name="Title 1">
             <a:extLst>
               <a:ext uri="{FF2B5EF4-FFF2-40B4-BE49-F238E27FC236}">
+                <a16:creationId xmlns:a16="http://schemas.microsoft.com/office/drawing/2014/main" id="{0524602B-7AF8-4A8A-B98C-3ABC163053AA}"/>
+              </a:ext>
+            </a:extLst>
+          </p:cNvPr>
+          <p:cNvSpPr>
+            <a:spLocks noGrp="1"/>
+          </p:cNvSpPr>
+          <p:nvPr>
+            <p:ph type="title"/>
+          </p:nvPr>
+        </p:nvSpPr>
+        <p:spPr/>
+        <p:txBody>
+          <a:bodyPr/>
+          <a:lstStyle/>
+          <a:p>
+            <a:r>
+              <a:rPr lang="en-US" dirty="0">
+                <a:solidFill>
+                  <a:srgbClr val="FF0000"/>
+                </a:solidFill>
+                <a:latin typeface="Trebuchet MS" panose="020B0603020202020204" pitchFamily="34" charset="0"/>
+              </a:rPr>
+              <a:t>Tutorial PowerPoints vs Tutorial Scripts</a:t>
+            </a:r>
+          </a:p>
+        </p:txBody>
+      </p:sp>
+      <p:sp>
+        <p:nvSpPr>
+          <p:cNvPr id="3" name="Content Placeholder 2">
+            <a:extLst>
+              <a:ext uri="{FF2B5EF4-FFF2-40B4-BE49-F238E27FC236}">
+                <a16:creationId xmlns:a16="http://schemas.microsoft.com/office/drawing/2014/main" id="{2540B8C2-B653-442F-BE48-18F1577797B6}"/>
+              </a:ext>
+            </a:extLst>
+          </p:cNvPr>
+          <p:cNvSpPr>
+            <a:spLocks noGrp="1"/>
+          </p:cNvSpPr>
+          <p:nvPr>
+            <p:ph idx="1"/>
+          </p:nvPr>
+        </p:nvSpPr>
+        <p:spPr>
+          <a:xfrm>
+            <a:off x="838200" y="1825625"/>
+            <a:ext cx="11049000" cy="4667250"/>
+          </a:xfrm>
+        </p:spPr>
+        <p:txBody>
+          <a:bodyPr>
+            <a:normAutofit fontScale="85000" lnSpcReduction="10000"/>
+          </a:bodyPr>
+          <a:lstStyle/>
+          <a:p>
+            <a:r>
+              <a:rPr lang="en-US" dirty="0"/>
+              <a:t>Tutorials are PowerPoints. You should have them open as a reference or guide as you run through the tutorial scripts in MATLAB.</a:t>
+            </a:r>
+          </a:p>
+          <a:p>
+            <a:pPr lvl="1"/>
+            <a:r>
+              <a:rPr lang="en-US" dirty="0"/>
+              <a:t>Access tutorials through your FILE MANAGER</a:t>
+            </a:r>
+          </a:p>
+          <a:p>
+            <a:pPr lvl="1"/>
+            <a:r>
+              <a:rPr lang="en-US" dirty="0"/>
+              <a:t>Tutorials should be completed in the order below</a:t>
+            </a:r>
+          </a:p>
+          <a:p>
+            <a:r>
+              <a:rPr lang="en-US" dirty="0"/>
+              <a:t>Tutorial Scripts are the MATLAB scripts, i.e. code, that the tutorials were made for </a:t>
+            </a:r>
+          </a:p>
+          <a:p>
+            <a:pPr lvl="1"/>
+            <a:r>
+              <a:rPr lang="en-US" dirty="0"/>
+              <a:t>This is what you’ll actually be working with as you go through each tutorial</a:t>
+            </a:r>
+          </a:p>
+          <a:p>
+            <a:pPr lvl="1"/>
+            <a:r>
+              <a:rPr lang="en-US" dirty="0"/>
+              <a:t>You can:</a:t>
+            </a:r>
+          </a:p>
+          <a:p>
+            <a:pPr lvl="2"/>
+            <a:r>
+              <a:rPr lang="en-US" dirty="0"/>
+              <a:t>Access the scripts through MATLAB </a:t>
+            </a:r>
+          </a:p>
+          <a:p>
+            <a:pPr lvl="2"/>
+            <a:r>
+              <a:rPr lang="en-US" dirty="0"/>
+              <a:t>Each Tutorial </a:t>
+            </a:r>
+            <a:r>
+              <a:rPr lang="en-US" dirty="0">
+                <a:solidFill>
+                  <a:schemeClr val="accent1"/>
+                </a:solidFill>
+              </a:rPr>
+              <a:t>(blue) </a:t>
+            </a:r>
+            <a:r>
+              <a:rPr lang="en-US" dirty="0"/>
+              <a:t>has a corresponding script </a:t>
+            </a:r>
+            <a:r>
+              <a:rPr lang="en-US" dirty="0">
+                <a:solidFill>
+                  <a:srgbClr val="00B050"/>
+                </a:solidFill>
+              </a:rPr>
+              <a:t>(green)</a:t>
+            </a:r>
+            <a:r>
+              <a:rPr lang="en-US" dirty="0"/>
+              <a:t>,</a:t>
+            </a:r>
+            <a:r>
+              <a:rPr lang="en-US" dirty="0">
+                <a:solidFill>
+                  <a:srgbClr val="00B050"/>
+                </a:solidFill>
+              </a:rPr>
+              <a:t> </a:t>
+            </a:r>
+            <a:r>
+              <a:rPr lang="en-US" dirty="0"/>
+              <a:t>this is also the correct order for completing the tutorials</a:t>
+            </a:r>
+          </a:p>
+          <a:p>
+            <a:pPr lvl="3"/>
+            <a:r>
+              <a:rPr lang="en-US" dirty="0" err="1">
+                <a:solidFill>
+                  <a:schemeClr val="accent1"/>
+                </a:solidFill>
+              </a:rPr>
+              <a:t>PreProcessing</a:t>
+            </a:r>
+            <a:r>
+              <a:rPr lang="en-US" dirty="0"/>
+              <a:t> = </a:t>
+            </a:r>
+            <a:r>
+              <a:rPr lang="en-US" dirty="0" err="1">
+                <a:solidFill>
+                  <a:srgbClr val="00B050"/>
+                </a:solidFill>
+              </a:rPr>
+              <a:t>NeuroDOT_PreProcessing_Script</a:t>
+            </a:r>
+            <a:endParaRPr lang="en-US" dirty="0">
+              <a:solidFill>
+                <a:srgbClr val="00B050"/>
+              </a:solidFill>
+            </a:endParaRPr>
+          </a:p>
+          <a:p>
+            <a:pPr lvl="3"/>
+            <a:r>
+              <a:rPr lang="en-US" dirty="0" err="1">
+                <a:solidFill>
+                  <a:schemeClr val="accent1"/>
+                </a:solidFill>
+              </a:rPr>
+              <a:t>Generating_a_Light_Model</a:t>
+            </a:r>
+            <a:r>
+              <a:rPr lang="en-US" dirty="0"/>
+              <a:t> = </a:t>
+            </a:r>
+            <a:r>
+              <a:rPr lang="en-US" dirty="0" err="1">
+                <a:solidFill>
+                  <a:srgbClr val="00B050"/>
+                </a:solidFill>
+              </a:rPr>
+              <a:t>Script_For_Basic_Head_Modeling</a:t>
+            </a:r>
+            <a:endParaRPr lang="en-US" dirty="0">
+              <a:solidFill>
+                <a:srgbClr val="00B050"/>
+              </a:solidFill>
+            </a:endParaRPr>
+          </a:p>
+          <a:p>
+            <a:pPr lvl="3"/>
+            <a:r>
+              <a:rPr lang="en-US" dirty="0" err="1">
+                <a:solidFill>
+                  <a:schemeClr val="accent1"/>
+                </a:solidFill>
+              </a:rPr>
+              <a:t>ImageReconstruction</a:t>
+            </a:r>
+            <a:r>
+              <a:rPr lang="en-US" dirty="0"/>
+              <a:t> = </a:t>
+            </a:r>
+            <a:r>
+              <a:rPr lang="en-US" dirty="0" err="1">
+                <a:solidFill>
+                  <a:srgbClr val="00B050"/>
+                </a:solidFill>
+              </a:rPr>
+              <a:t>NeuroDOT_ImageReconstruction_Script</a:t>
+            </a:r>
+            <a:endParaRPr lang="en-US" dirty="0">
+              <a:solidFill>
+                <a:srgbClr val="00B050"/>
+              </a:solidFill>
+            </a:endParaRPr>
+          </a:p>
+          <a:p>
+            <a:pPr lvl="3"/>
+            <a:r>
+              <a:rPr lang="en-US" dirty="0" err="1">
+                <a:solidFill>
+                  <a:schemeClr val="accent1"/>
+                </a:solidFill>
+              </a:rPr>
+              <a:t>Full_Data_Processing</a:t>
+            </a:r>
+            <a:r>
+              <a:rPr lang="en-US" dirty="0"/>
+              <a:t> = </a:t>
+            </a:r>
+            <a:r>
+              <a:rPr lang="en-US" dirty="0" err="1">
+                <a:solidFill>
+                  <a:srgbClr val="00B050"/>
+                </a:solidFill>
+              </a:rPr>
+              <a:t>NeuroDOT_Full_Processing_Script_Tutorial</a:t>
+            </a:r>
+            <a:endParaRPr lang="en-US" dirty="0">
+              <a:solidFill>
+                <a:srgbClr val="00B050"/>
+              </a:solidFill>
+            </a:endParaRPr>
+          </a:p>
+          <a:p>
+            <a:pPr lvl="3"/>
+            <a:r>
+              <a:rPr lang="en-US" dirty="0">
+                <a:solidFill>
+                  <a:schemeClr val="accent1"/>
+                </a:solidFill>
+              </a:rPr>
+              <a:t>Generating_a_Light_Model_Pad_Adult_96x92_Example</a:t>
+            </a:r>
+            <a:r>
+              <a:rPr lang="en-US" dirty="0"/>
+              <a:t> = </a:t>
+            </a:r>
+            <a:r>
+              <a:rPr lang="en-US" dirty="0">
+                <a:solidFill>
+                  <a:srgbClr val="00B050"/>
+                </a:solidFill>
+              </a:rPr>
+              <a:t>Script_For_Basic_Head_Modeling_Pad_Adult_96x92</a:t>
+            </a:r>
+          </a:p>
+          <a:p>
+            <a:pPr lvl="1"/>
+            <a:r>
+              <a:rPr lang="en-US" dirty="0"/>
+              <a:t>Above formatting is: </a:t>
+            </a:r>
+            <a:r>
+              <a:rPr lang="en-US" dirty="0">
+                <a:solidFill>
+                  <a:schemeClr val="accent1"/>
+                </a:solidFill>
+              </a:rPr>
+              <a:t>Tutorial name </a:t>
+            </a:r>
+            <a:r>
+              <a:rPr lang="en-US" dirty="0"/>
+              <a:t>= </a:t>
+            </a:r>
+            <a:r>
+              <a:rPr lang="en-US" dirty="0">
+                <a:solidFill>
+                  <a:srgbClr val="00B050"/>
+                </a:solidFill>
+              </a:rPr>
+              <a:t>Script name</a:t>
+            </a:r>
+          </a:p>
+          <a:p>
+            <a:pPr lvl="2"/>
+            <a:endParaRPr lang="en-US" dirty="0"/>
+          </a:p>
+          <a:p>
+            <a:endParaRPr lang="en-US" dirty="0"/>
+          </a:p>
+        </p:txBody>
+      </p:sp>
+    </p:spTree>
+    <p:extLst>
+      <p:ext uri="{BB962C8B-B14F-4D97-AF65-F5344CB8AC3E}">
+        <p14:creationId xmlns:p14="http://schemas.microsoft.com/office/powerpoint/2010/main" val="1438362766"/>
+      </p:ext>
+    </p:extLst>
+  </p:cSld>
+  <p:clrMapOvr>
+    <a:masterClrMapping/>
+  </p:clrMapOvr>
+</p:sld>
+</file>
+
+<file path=ppt/slides/slide11.xml><?xml version="1.0" encoding="utf-8"?>
+<p:sld xmlns:a="http://schemas.openxmlformats.org/drawingml/2006/main" xmlns:r="http://schemas.openxmlformats.org/officeDocument/2006/relationships" xmlns:p="http://schemas.openxmlformats.org/presentationml/2006/main">
+  <p:cSld>
+    <p:spTree>
+      <p:nvGrpSpPr>
+        <p:cNvPr id="1" name=""/>
+        <p:cNvGrpSpPr/>
+        <p:nvPr/>
+      </p:nvGrpSpPr>
+      <p:grpSpPr>
+        <a:xfrm>
+          <a:off x="0" y="0"/>
+          <a:ext cx="0" cy="0"/>
+          <a:chOff x="0" y="0"/>
+          <a:chExt cx="0" cy="0"/>
+        </a:xfrm>
+      </p:grpSpPr>
+      <p:sp>
+        <p:nvSpPr>
+          <p:cNvPr id="2" name="Title 1">
+            <a:extLst>
+              <a:ext uri="{FF2B5EF4-FFF2-40B4-BE49-F238E27FC236}">
                 <a16:creationId xmlns:a16="http://schemas.microsoft.com/office/drawing/2014/main" id="{A603A3EB-3B20-45A8-AED1-CA32D75CF03F}"/>
               </a:ext>
             </a:extLst>
@@ -3341,7 +3693,7 @@
 </p:sld>
 </file>
 
-<file path=ppt/slides/slide11.xml><?xml version="1.0" encoding="utf-8"?>
+<file path=ppt/slides/slide12.xml><?xml version="1.0" encoding="utf-8"?>
 <p:sld xmlns:a="http://schemas.openxmlformats.org/drawingml/2006/main" xmlns:r="http://schemas.openxmlformats.org/officeDocument/2006/relationships" xmlns:p="http://schemas.openxmlformats.org/presentationml/2006/main">
   <p:cSld>
     <p:spTree>
@@ -3611,7 +3963,7 @@
 </p:sld>
 </file>
 
-<file path=ppt/slides/slide12.xml><?xml version="1.0" encoding="utf-8"?>
+<file path=ppt/slides/slide13.xml><?xml version="1.0" encoding="utf-8"?>
 <p:sld xmlns:a="http://schemas.openxmlformats.org/drawingml/2006/main" xmlns:r="http://schemas.openxmlformats.org/officeDocument/2006/relationships" xmlns:p="http://schemas.openxmlformats.org/presentationml/2006/main">
   <p:cSld>
     <p:spTree>
@@ -3800,7 +4152,7 @@
 </p:sld>
 </file>
 
-<file path=ppt/slides/slide13.xml><?xml version="1.0" encoding="utf-8"?>
+<file path=ppt/slides/slide14.xml><?xml version="1.0" encoding="utf-8"?>
 <p:sld xmlns:a="http://schemas.openxmlformats.org/drawingml/2006/main" xmlns:r="http://schemas.openxmlformats.org/officeDocument/2006/relationships" xmlns:p="http://schemas.openxmlformats.org/presentationml/2006/main">
   <p:cSld>
     <p:spTree>
@@ -4145,7 +4497,7 @@
 </p:sld>
 </file>
 
-<file path=ppt/slides/slide14.xml><?xml version="1.0" encoding="utf-8"?>
+<file path=ppt/slides/slide15.xml><?xml version="1.0" encoding="utf-8"?>
 <p:sld xmlns:a="http://schemas.openxmlformats.org/drawingml/2006/main" xmlns:r="http://schemas.openxmlformats.org/officeDocument/2006/relationships" xmlns:p="http://schemas.openxmlformats.org/presentationml/2006/main">
   <p:cSld>
     <p:spTree>
@@ -4425,7 +4777,7 @@
 </p:sld>
 </file>
 
-<file path=ppt/slides/slide15.xml><?xml version="1.0" encoding="utf-8"?>
+<file path=ppt/slides/slide16.xml><?xml version="1.0" encoding="utf-8"?>
 <p:sld xmlns:a="http://schemas.openxmlformats.org/drawingml/2006/main" xmlns:r="http://schemas.openxmlformats.org/officeDocument/2006/relationships" xmlns:p="http://schemas.openxmlformats.org/presentationml/2006/main">
   <p:cSld>
     <p:spTree>
@@ -4595,7 +4947,7 @@
           <a:p>
             <a:fld id="{A6EA515B-EB3D-473C-ADE9-FD8348C61D57}" type="slidenum">
               <a:rPr lang="en-US" smtClean="0"/>
-              <a:t>15</a:t>
+              <a:t>16</a:t>
             </a:fld>
             <a:endParaRPr lang="en-US"/>
           </a:p>
@@ -4614,7 +4966,7 @@
 </p:sld>
 </file>
 
-<file path=ppt/slides/slide16.xml><?xml version="1.0" encoding="utf-8"?>
+<file path=ppt/slides/slide17.xml><?xml version="1.0" encoding="utf-8"?>
 <p:sld xmlns:a="http://schemas.openxmlformats.org/drawingml/2006/main" xmlns:r="http://schemas.openxmlformats.org/officeDocument/2006/relationships" xmlns:p="http://schemas.openxmlformats.org/presentationml/2006/main">
   <p:cSld>
     <p:spTree>
@@ -4974,13 +5326,20 @@
         <p:spPr/>
         <p:txBody>
           <a:bodyPr>
-            <a:normAutofit/>
+            <a:normAutofit lnSpcReduction="10000"/>
           </a:bodyPr>
           <a:lstStyle/>
           <a:p>
             <a:r>
               <a:rPr lang="en-US" dirty="0"/>
               <a:t>This tutorial will cover the following topics:</a:t>
+            </a:r>
+          </a:p>
+          <a:p>
+            <a:pPr lvl="1"/>
+            <a:r>
+              <a:rPr lang="en-US" dirty="0"/>
+              <a:t>Installing software dependencies</a:t>
             </a:r>
           </a:p>
           <a:p>
@@ -5093,6 +5452,267 @@
           <p:cNvPr id="2" name="Title 1">
             <a:extLst>
               <a:ext uri="{FF2B5EF4-FFF2-40B4-BE49-F238E27FC236}">
+                <a16:creationId xmlns:a16="http://schemas.microsoft.com/office/drawing/2014/main" id="{50DAADC6-1B3D-37FB-7FCA-622E19524511}"/>
+              </a:ext>
+            </a:extLst>
+          </p:cNvPr>
+          <p:cNvSpPr>
+            <a:spLocks noGrp="1"/>
+          </p:cNvSpPr>
+          <p:nvPr>
+            <p:ph type="title"/>
+          </p:nvPr>
+        </p:nvSpPr>
+        <p:spPr/>
+        <p:txBody>
+          <a:bodyPr/>
+          <a:lstStyle/>
+          <a:p>
+            <a:r>
+              <a:rPr lang="en-US" dirty="0">
+                <a:solidFill>
+                  <a:srgbClr val="FF0000"/>
+                </a:solidFill>
+                <a:latin typeface="Trebuchet MS" panose="020B0603020202020204" pitchFamily="34" charset="0"/>
+              </a:rPr>
+              <a:t>Install Software Dependencies</a:t>
+            </a:r>
+          </a:p>
+        </p:txBody>
+      </p:sp>
+      <p:sp>
+        <p:nvSpPr>
+          <p:cNvPr id="3" name="Content Placeholder 2">
+            <a:extLst>
+              <a:ext uri="{FF2B5EF4-FFF2-40B4-BE49-F238E27FC236}">
+                <a16:creationId xmlns:a16="http://schemas.microsoft.com/office/drawing/2014/main" id="{558C495C-F0E0-EDEB-9B77-3E0047C1A846}"/>
+              </a:ext>
+            </a:extLst>
+          </p:cNvPr>
+          <p:cNvSpPr>
+            <a:spLocks noGrp="1"/>
+          </p:cNvSpPr>
+          <p:nvPr>
+            <p:ph idx="1"/>
+          </p:nvPr>
+        </p:nvSpPr>
+        <p:spPr/>
+        <p:txBody>
+          <a:bodyPr>
+            <a:normAutofit fontScale="85000" lnSpcReduction="20000"/>
+          </a:bodyPr>
+          <a:lstStyle/>
+          <a:p>
+            <a:r>
+              <a:rPr lang="en-US" dirty="0"/>
+              <a:t>Before you start, you must install the following dependencies to successfully run NeuroDOT.</a:t>
+            </a:r>
+          </a:p>
+          <a:p>
+            <a:pPr marL="0" indent="0">
+              <a:buNone/>
+            </a:pPr>
+            <a:endParaRPr lang="en-US" dirty="0"/>
+          </a:p>
+          <a:p>
+            <a:pPr marL="514350" indent="-514350">
+              <a:buFont typeface="+mj-lt"/>
+              <a:buAutoNum type="arabicPeriod"/>
+            </a:pPr>
+            <a:r>
+              <a:rPr lang="en-US" dirty="0"/>
+              <a:t>Matlab 2020b</a:t>
+            </a:r>
+          </a:p>
+          <a:p>
+            <a:pPr algn="l">
+              <a:buFont typeface="+mj-lt"/>
+              <a:buAutoNum type="arabicPeriod"/>
+            </a:pPr>
+            <a:r>
+              <a:rPr lang="en-US" dirty="0"/>
+              <a:t>    NIRFASTer (</a:t>
+            </a:r>
+            <a:r>
+              <a:rPr lang="en-US" dirty="0">
+                <a:hlinkClick r:id="rId2"/>
+              </a:rPr>
+              <a:t>https://github.com/nirfaster/NIRFASTer</a:t>
+            </a:r>
+            <a:r>
+              <a:rPr lang="en-US" dirty="0"/>
+              <a:t>) </a:t>
+            </a:r>
+          </a:p>
+          <a:p>
+            <a:pPr algn="l">
+              <a:buFont typeface="+mj-lt"/>
+              <a:buAutoNum type="arabicPeriod"/>
+            </a:pPr>
+            <a:r>
+              <a:rPr lang="en-US" dirty="0"/>
+              <a:t>    SNIRF (</a:t>
+            </a:r>
+            <a:r>
+              <a:rPr lang="en-US" dirty="0">
+                <a:hlinkClick r:id="rId3"/>
+              </a:rPr>
+              <a:t>https://github.com/fNIRS/snirf</a:t>
+            </a:r>
+            <a:r>
+              <a:rPr lang="en-US" dirty="0"/>
+              <a:t>) </a:t>
+            </a:r>
+          </a:p>
+          <a:p>
+            <a:pPr lvl="1">
+              <a:buFont typeface="+mj-lt"/>
+              <a:buAutoNum type="arabicPeriod"/>
+            </a:pPr>
+            <a:r>
+              <a:rPr lang="en-US" sz="2800" dirty="0"/>
+              <a:t>  easyh5 (</a:t>
+            </a:r>
+            <a:r>
+              <a:rPr lang="en-US" sz="2800" dirty="0">
+                <a:hlinkClick r:id="rId4"/>
+              </a:rPr>
+              <a:t>https://github.com/NeuroJSON/easyh5</a:t>
+            </a:r>
+            <a:r>
+              <a:rPr lang="en-US" sz="2800" dirty="0"/>
+              <a:t>) </a:t>
+            </a:r>
+          </a:p>
+          <a:p>
+            <a:pPr lvl="1">
+              <a:buFont typeface="+mj-lt"/>
+              <a:buAutoNum type="arabicPeriod"/>
+            </a:pPr>
+            <a:r>
+              <a:rPr lang="en-US" sz="2800" dirty="0"/>
+              <a:t>  </a:t>
+            </a:r>
+            <a:r>
+              <a:rPr lang="en-US" sz="2800" dirty="0" err="1"/>
+              <a:t>jsnirfy</a:t>
+            </a:r>
+            <a:r>
+              <a:rPr lang="en-US" sz="2800" dirty="0"/>
+              <a:t> (</a:t>
+            </a:r>
+            <a:r>
+              <a:rPr lang="en-US" sz="2800" dirty="0">
+                <a:hlinkClick r:id="rId5"/>
+              </a:rPr>
+              <a:t>https://github.com/NeuroJSON/jsnirfy</a:t>
+            </a:r>
+            <a:r>
+              <a:rPr lang="en-US" sz="2800" dirty="0"/>
+              <a:t>) </a:t>
+            </a:r>
+          </a:p>
+          <a:p>
+            <a:pPr>
+              <a:buFont typeface="+mj-lt"/>
+              <a:buAutoNum type="arabicPeriod"/>
+            </a:pPr>
+            <a:r>
+              <a:rPr lang="en-US" dirty="0"/>
+              <a:t>    GIFTI (</a:t>
+            </a:r>
+            <a:r>
+              <a:rPr lang="en-US" dirty="0">
+                <a:hlinkClick r:id="rId6"/>
+              </a:rPr>
+              <a:t>https://github.com/gllmflndn/gifti</a:t>
+            </a:r>
+            <a:r>
+              <a:rPr lang="en-US" dirty="0"/>
+              <a:t>) </a:t>
+            </a:r>
+          </a:p>
+          <a:p>
+            <a:pPr>
+              <a:buFont typeface="+mj-lt"/>
+              <a:buAutoNum type="arabicPeriod"/>
+            </a:pPr>
+            <a:r>
+              <a:rPr lang="en-US" dirty="0"/>
+              <a:t>    FreeSurfer 7.2 (</a:t>
+            </a:r>
+            <a:r>
+              <a:rPr lang="en-US" dirty="0">
+                <a:hlinkClick r:id="rId7"/>
+              </a:rPr>
+              <a:t>https://surfer.nmr.mgh.harvard.edu/fswiki/rel7downloads</a:t>
+            </a:r>
+            <a:r>
+              <a:rPr lang="en-US" dirty="0"/>
+              <a:t>) </a:t>
+            </a:r>
+          </a:p>
+          <a:p>
+            <a:pPr>
+              <a:buFont typeface="+mj-lt"/>
+              <a:buAutoNum type="arabicPeriod"/>
+            </a:pPr>
+            <a:r>
+              <a:rPr lang="en-US"/>
+              <a:t>    Connectome </a:t>
+            </a:r>
+            <a:r>
+              <a:rPr lang="en-US" dirty="0"/>
+              <a:t>Workbench (</a:t>
+            </a:r>
+            <a:r>
+              <a:rPr lang="en-US" dirty="0">
+                <a:hlinkClick r:id="rId8"/>
+              </a:rPr>
+              <a:t>https://humanconnectome.org/software/get-connectome-workbench</a:t>
+            </a:r>
+            <a:r>
+              <a:rPr lang="en-US" dirty="0"/>
+              <a:t>) </a:t>
+            </a:r>
+          </a:p>
+        </p:txBody>
+      </p:sp>
+    </p:spTree>
+    <p:extLst>
+      <p:ext uri="{BB962C8B-B14F-4D97-AF65-F5344CB8AC3E}">
+        <p14:creationId xmlns:p14="http://schemas.microsoft.com/office/powerpoint/2010/main" val="2346128870"/>
+      </p:ext>
+    </p:extLst>
+  </p:cSld>
+  <p:clrMapOvr>
+    <a:masterClrMapping/>
+  </p:clrMapOvr>
+</p:sld>
+</file>
+
+<file path=ppt/slides/slide4.xml><?xml version="1.0" encoding="utf-8"?>
+<p:sld xmlns:a="http://schemas.openxmlformats.org/drawingml/2006/main" xmlns:r="http://schemas.openxmlformats.org/officeDocument/2006/relationships" xmlns:p="http://schemas.openxmlformats.org/presentationml/2006/main">
+  <p:cSld>
+    <p:spTree>
+      <p:nvGrpSpPr>
+        <p:cNvPr id="1" name=""/>
+        <p:cNvGrpSpPr/>
+        <p:nvPr/>
+      </p:nvGrpSpPr>
+      <p:grpSpPr>
+        <a:xfrm>
+          <a:off x="0" y="0"/>
+          <a:ext cx="0" cy="0"/>
+          <a:chOff x="0" y="0"/>
+          <a:chExt cx="0" cy="0"/>
+        </a:xfrm>
+      </p:grpSpPr>
+      <p:sp>
+        <p:nvSpPr>
+          <p:cNvPr id="2" name="Title 1">
+            <a:extLst>
+              <a:ext uri="{FF2B5EF4-FFF2-40B4-BE49-F238E27FC236}">
                 <a16:creationId xmlns:a16="http://schemas.microsoft.com/office/drawing/2014/main" id="{6706784D-754A-4CC9-872F-AAD16D807468}"/>
               </a:ext>
             </a:extLst>
@@ -5340,7 +5960,7 @@
 </p:sld>
 </file>
 
-<file path=ppt/slides/slide4.xml><?xml version="1.0" encoding="utf-8"?>
+<file path=ppt/slides/slide5.xml><?xml version="1.0" encoding="utf-8"?>
 <p:sld xmlns:a="http://schemas.openxmlformats.org/drawingml/2006/main" xmlns:r="http://schemas.openxmlformats.org/officeDocument/2006/relationships" xmlns:p="http://schemas.openxmlformats.org/presentationml/2006/main">
   <p:cSld>
     <p:spTree>
@@ -5958,7 +6578,7 @@
 </p:sld>
 </file>
 
-<file path=ppt/slides/slide5.xml><?xml version="1.0" encoding="utf-8"?>
+<file path=ppt/slides/slide6.xml><?xml version="1.0" encoding="utf-8"?>
 <p:sld xmlns:a="http://schemas.openxmlformats.org/drawingml/2006/main" xmlns:r="http://schemas.openxmlformats.org/officeDocument/2006/relationships" xmlns:p="http://schemas.openxmlformats.org/presentationml/2006/main">
   <p:cSld>
     <p:spTree>
@@ -6187,7 +6807,7 @@
 </p:sld>
 </file>
 
-<file path=ppt/slides/slide6.xml><?xml version="1.0" encoding="utf-8"?>
+<file path=ppt/slides/slide7.xml><?xml version="1.0" encoding="utf-8"?>
 <p:sld xmlns:a="http://schemas.openxmlformats.org/drawingml/2006/main" xmlns:r="http://schemas.openxmlformats.org/officeDocument/2006/relationships" xmlns:p="http://schemas.openxmlformats.org/presentationml/2006/main">
   <p:cSld>
     <p:spTree>
@@ -6336,7 +6956,7 @@
 </p:sld>
 </file>
 
-<file path=ppt/slides/slide7.xml><?xml version="1.0" encoding="utf-8"?>
+<file path=ppt/slides/slide8.xml><?xml version="1.0" encoding="utf-8"?>
 <p:sld xmlns:a="http://schemas.openxmlformats.org/drawingml/2006/main" xmlns:r="http://schemas.openxmlformats.org/officeDocument/2006/relationships" xmlns:p="http://schemas.openxmlformats.org/presentationml/2006/main">
   <p:cSld>
     <p:spTree>
@@ -6508,7 +7128,7 @@
 </p:sld>
 </file>
 
-<file path=ppt/slides/slide8.xml><?xml version="1.0" encoding="utf-8"?>
+<file path=ppt/slides/slide9.xml><?xml version="1.0" encoding="utf-8"?>
 <p:sld xmlns:a="http://schemas.openxmlformats.org/drawingml/2006/main" xmlns:r="http://schemas.openxmlformats.org/officeDocument/2006/relationships" xmlns:p="http://schemas.openxmlformats.org/presentationml/2006/main">
   <p:cSld>
     <p:spTree>
@@ -6712,357 +7332,6 @@
     <p:extLst>
       <p:ext uri="{BB962C8B-B14F-4D97-AF65-F5344CB8AC3E}">
         <p14:creationId xmlns:p14="http://schemas.microsoft.com/office/powerpoint/2010/main" val="1702663135"/>
-      </p:ext>
-    </p:extLst>
-  </p:cSld>
-  <p:clrMapOvr>
-    <a:masterClrMapping/>
-  </p:clrMapOvr>
-</p:sld>
-</file>
-
-<file path=ppt/slides/slide9.xml><?xml version="1.0" encoding="utf-8"?>
-<p:sld xmlns:a="http://schemas.openxmlformats.org/drawingml/2006/main" xmlns:r="http://schemas.openxmlformats.org/officeDocument/2006/relationships" xmlns:p="http://schemas.openxmlformats.org/presentationml/2006/main">
-  <p:cSld>
-    <p:spTree>
-      <p:nvGrpSpPr>
-        <p:cNvPr id="1" name=""/>
-        <p:cNvGrpSpPr/>
-        <p:nvPr/>
-      </p:nvGrpSpPr>
-      <p:grpSpPr>
-        <a:xfrm>
-          <a:off x="0" y="0"/>
-          <a:ext cx="0" cy="0"/>
-          <a:chOff x="0" y="0"/>
-          <a:chExt cx="0" cy="0"/>
-        </a:xfrm>
-      </p:grpSpPr>
-      <p:sp>
-        <p:nvSpPr>
-          <p:cNvPr id="2" name="Title 1">
-            <a:extLst>
-              <a:ext uri="{FF2B5EF4-FFF2-40B4-BE49-F238E27FC236}">
-                <a16:creationId xmlns:a16="http://schemas.microsoft.com/office/drawing/2014/main" id="{0524602B-7AF8-4A8A-B98C-3ABC163053AA}"/>
-              </a:ext>
-            </a:extLst>
-          </p:cNvPr>
-          <p:cNvSpPr>
-            <a:spLocks noGrp="1"/>
-          </p:cNvSpPr>
-          <p:nvPr>
-            <p:ph type="title"/>
-          </p:nvPr>
-        </p:nvSpPr>
-        <p:spPr/>
-        <p:txBody>
-          <a:bodyPr/>
-          <a:lstStyle/>
-          <a:p>
-            <a:r>
-              <a:rPr lang="en-US" dirty="0">
-                <a:solidFill>
-                  <a:srgbClr val="FF0000"/>
-                </a:solidFill>
-                <a:latin typeface="Trebuchet MS" panose="020B0603020202020204" pitchFamily="34" charset="0"/>
-              </a:rPr>
-              <a:t>Tutorial PowerPoints vs Tutorial Scripts</a:t>
-            </a:r>
-          </a:p>
-        </p:txBody>
-      </p:sp>
-      <p:sp>
-        <p:nvSpPr>
-          <p:cNvPr id="3" name="Content Placeholder 2">
-            <a:extLst>
-              <a:ext uri="{FF2B5EF4-FFF2-40B4-BE49-F238E27FC236}">
-                <a16:creationId xmlns:a16="http://schemas.microsoft.com/office/drawing/2014/main" id="{2540B8C2-B653-442F-BE48-18F1577797B6}"/>
-              </a:ext>
-            </a:extLst>
-          </p:cNvPr>
-          <p:cNvSpPr>
-            <a:spLocks noGrp="1"/>
-          </p:cNvSpPr>
-          <p:nvPr>
-            <p:ph idx="1"/>
-          </p:nvPr>
-        </p:nvSpPr>
-        <p:spPr>
-          <a:xfrm>
-            <a:off x="838200" y="1825625"/>
-            <a:ext cx="11049000" cy="4667250"/>
-          </a:xfrm>
-        </p:spPr>
-        <p:txBody>
-          <a:bodyPr>
-            <a:normAutofit fontScale="85000" lnSpcReduction="10000"/>
-          </a:bodyPr>
-          <a:lstStyle/>
-          <a:p>
-            <a:r>
-              <a:rPr lang="en-US" dirty="0"/>
-              <a:t>Tutorials are PowerPoints. You should have them open as a reference or guide as you run through the tutorial scripts in MATLAB.</a:t>
-            </a:r>
-          </a:p>
-          <a:p>
-            <a:pPr lvl="1"/>
-            <a:r>
-              <a:rPr lang="en-US" dirty="0"/>
-              <a:t>Access tutorials through your FILE MANAGER</a:t>
-            </a:r>
-          </a:p>
-          <a:p>
-            <a:pPr lvl="1"/>
-            <a:r>
-              <a:rPr lang="en-US" dirty="0"/>
-              <a:t>Tutorials should be completed in the order below</a:t>
-            </a:r>
-          </a:p>
-          <a:p>
-            <a:r>
-              <a:rPr lang="en-US" dirty="0"/>
-              <a:t>Tutorial Scripts are the MATLAB scripts, i.e. code, that the tutorials were made for </a:t>
-            </a:r>
-          </a:p>
-          <a:p>
-            <a:pPr lvl="1"/>
-            <a:r>
-              <a:rPr lang="en-US" dirty="0"/>
-              <a:t>This is what you’ll actually be working with as you go through each tutorial</a:t>
-            </a:r>
-          </a:p>
-          <a:p>
-            <a:pPr lvl="1"/>
-            <a:r>
-              <a:rPr lang="en-US" dirty="0"/>
-              <a:t>You can:</a:t>
-            </a:r>
-          </a:p>
-          <a:p>
-            <a:pPr lvl="2"/>
-            <a:r>
-              <a:rPr lang="en-US" dirty="0"/>
-              <a:t>Access the scripts through MATLAB </a:t>
-            </a:r>
-          </a:p>
-          <a:p>
-            <a:pPr lvl="2"/>
-            <a:r>
-              <a:rPr lang="en-US" dirty="0"/>
-              <a:t>Each Tutorial </a:t>
-            </a:r>
-            <a:r>
-              <a:rPr lang="en-US" dirty="0">
-                <a:solidFill>
-                  <a:schemeClr val="accent1"/>
-                </a:solidFill>
-              </a:rPr>
-              <a:t>(blue) </a:t>
-            </a:r>
-            <a:r>
-              <a:rPr lang="en-US" dirty="0"/>
-              <a:t>has a corresponding script </a:t>
-            </a:r>
-            <a:r>
-              <a:rPr lang="en-US" dirty="0">
-                <a:solidFill>
-                  <a:srgbClr val="00B050"/>
-                </a:solidFill>
-              </a:rPr>
-              <a:t>(green)</a:t>
-            </a:r>
-            <a:r>
-              <a:rPr lang="en-US" dirty="0"/>
-              <a:t>,</a:t>
-            </a:r>
-            <a:r>
-              <a:rPr lang="en-US" dirty="0">
-                <a:solidFill>
-                  <a:srgbClr val="00B050"/>
-                </a:solidFill>
-              </a:rPr>
-              <a:t> </a:t>
-            </a:r>
-            <a:r>
-              <a:rPr lang="en-US" dirty="0"/>
-              <a:t>this is also the correct order for completing the tutorials</a:t>
-            </a:r>
-          </a:p>
-          <a:p>
-            <a:pPr lvl="3"/>
-            <a:r>
-              <a:rPr lang="en-US" dirty="0" err="1">
-                <a:solidFill>
-                  <a:schemeClr val="accent1"/>
-                </a:solidFill>
-              </a:rPr>
-              <a:t>PreProcessing</a:t>
-            </a:r>
-            <a:r>
-              <a:rPr lang="en-US" dirty="0"/>
-              <a:t> = </a:t>
-            </a:r>
-            <a:r>
-              <a:rPr lang="en-US" dirty="0" err="1">
-                <a:solidFill>
-                  <a:srgbClr val="00B050"/>
-                </a:solidFill>
-              </a:rPr>
-              <a:t>NeuroDOT_PreProcessing_Script</a:t>
-            </a:r>
-            <a:endParaRPr lang="en-US" dirty="0">
-              <a:solidFill>
-                <a:srgbClr val="00B050"/>
-              </a:solidFill>
-            </a:endParaRPr>
-          </a:p>
-          <a:p>
-            <a:pPr lvl="3"/>
-            <a:r>
-              <a:rPr lang="en-US" dirty="0" err="1">
-                <a:solidFill>
-                  <a:schemeClr val="accent1"/>
-                </a:solidFill>
-              </a:rPr>
-              <a:t>Generating_a_Light_Model</a:t>
-            </a:r>
-            <a:r>
-              <a:rPr lang="en-US" dirty="0"/>
-              <a:t> = </a:t>
-            </a:r>
-            <a:r>
-              <a:rPr lang="en-US" dirty="0" err="1">
-                <a:solidFill>
-                  <a:srgbClr val="00B050"/>
-                </a:solidFill>
-              </a:rPr>
-              <a:t>Script_For_Basic_Head_Modeling</a:t>
-            </a:r>
-            <a:endParaRPr lang="en-US" dirty="0">
-              <a:solidFill>
-                <a:srgbClr val="00B050"/>
-              </a:solidFill>
-            </a:endParaRPr>
-          </a:p>
-          <a:p>
-            <a:pPr lvl="3"/>
-            <a:r>
-              <a:rPr lang="en-US" dirty="0" err="1">
-                <a:solidFill>
-                  <a:schemeClr val="accent1"/>
-                </a:solidFill>
-              </a:rPr>
-              <a:t>ImageReconstruction</a:t>
-            </a:r>
-            <a:r>
-              <a:rPr lang="en-US" dirty="0"/>
-              <a:t> = </a:t>
-            </a:r>
-            <a:r>
-              <a:rPr lang="en-US" dirty="0" err="1">
-                <a:solidFill>
-                  <a:srgbClr val="00B050"/>
-                </a:solidFill>
-              </a:rPr>
-              <a:t>NeuroDOT_ImageReconstruction_Script</a:t>
-            </a:r>
-            <a:endParaRPr lang="en-US" dirty="0">
-              <a:solidFill>
-                <a:srgbClr val="00B050"/>
-              </a:solidFill>
-            </a:endParaRPr>
-          </a:p>
-          <a:p>
-            <a:pPr lvl="3"/>
-            <a:r>
-              <a:rPr lang="en-US" dirty="0" err="1">
-                <a:solidFill>
-                  <a:schemeClr val="accent1"/>
-                </a:solidFill>
-              </a:rPr>
-              <a:t>Full_Data_Processing</a:t>
-            </a:r>
-            <a:r>
-              <a:rPr lang="en-US" dirty="0"/>
-              <a:t> = </a:t>
-            </a:r>
-            <a:r>
-              <a:rPr lang="en-US" dirty="0" err="1">
-                <a:solidFill>
-                  <a:srgbClr val="00B050"/>
-                </a:solidFill>
-              </a:rPr>
-              <a:t>NeuroDOT_Full_Processing_Script_Tutorial</a:t>
-            </a:r>
-            <a:endParaRPr lang="en-US" dirty="0">
-              <a:solidFill>
-                <a:srgbClr val="00B050"/>
-              </a:solidFill>
-            </a:endParaRPr>
-          </a:p>
-          <a:p>
-            <a:pPr lvl="3"/>
-            <a:r>
-              <a:rPr lang="en-US" dirty="0">
-                <a:solidFill>
-                  <a:schemeClr val="accent1"/>
-                </a:solidFill>
-              </a:rPr>
-              <a:t>Generating_a_Light_Model_Pad_Adult_96x92_Example</a:t>
-            </a:r>
-            <a:r>
-              <a:rPr lang="en-US" dirty="0"/>
-              <a:t> = </a:t>
-            </a:r>
-            <a:r>
-              <a:rPr lang="en-US" dirty="0">
-                <a:solidFill>
-                  <a:srgbClr val="00B050"/>
-                </a:solidFill>
-              </a:rPr>
-              <a:t>Script_For_Basic_Head_Modeling_Pad_Adult_96x92</a:t>
-            </a:r>
-          </a:p>
-          <a:p>
-            <a:pPr lvl="1"/>
-            <a:r>
-              <a:rPr lang="en-US" dirty="0"/>
-              <a:t>Above formatting is: </a:t>
-            </a:r>
-            <a:r>
-              <a:rPr lang="en-US" dirty="0">
-                <a:solidFill>
-                  <a:schemeClr val="accent1"/>
-                </a:solidFill>
-              </a:rPr>
-              <a:t>Tutorial name </a:t>
-            </a:r>
-            <a:r>
-              <a:rPr lang="en-US" dirty="0"/>
-              <a:t>= </a:t>
-            </a:r>
-            <a:r>
-              <a:rPr lang="en-US" dirty="0">
-                <a:solidFill>
-                  <a:srgbClr val="00B050"/>
-                </a:solidFill>
-              </a:rPr>
-              <a:t>Script name</a:t>
-            </a:r>
-          </a:p>
-          <a:p>
-            <a:pPr lvl="2"/>
-            <a:endParaRPr lang="en-US" dirty="0"/>
-          </a:p>
-          <a:p>
-            <a:endParaRPr lang="en-US" dirty="0"/>
-          </a:p>
-        </p:txBody>
-      </p:sp>
-    </p:spTree>
-    <p:extLst>
-      <p:ext uri="{BB962C8B-B14F-4D97-AF65-F5344CB8AC3E}">
-        <p14:creationId xmlns:p14="http://schemas.microsoft.com/office/powerpoint/2010/main" val="1438362766"/>
       </p:ext>
     </p:extLst>
   </p:cSld>

--- a/Documentation/Tutorials/NeuroDOT_Tutorial_Getting_Started.pptx
+++ b/Documentation/Tutorials/NeuroDOT_Tutorial_Getting_Started.pptx
@@ -259,7 +259,7 @@
           <a:p>
             <a:fld id="{162AC784-C7BB-45CE-AB0D-139C9E5F95B5}" type="datetimeFigureOut">
               <a:rPr lang="en-US" smtClean="0"/>
-              <a:t>10/15/2024</a:t>
+              <a:t>7/28/2025</a:t>
             </a:fld>
             <a:endParaRPr lang="en-US"/>
           </a:p>
@@ -429,7 +429,7 @@
           <a:p>
             <a:fld id="{162AC784-C7BB-45CE-AB0D-139C9E5F95B5}" type="datetimeFigureOut">
               <a:rPr lang="en-US" smtClean="0"/>
-              <a:t>10/15/2024</a:t>
+              <a:t>7/28/2025</a:t>
             </a:fld>
             <a:endParaRPr lang="en-US"/>
           </a:p>
@@ -609,7 +609,7 @@
           <a:p>
             <a:fld id="{162AC784-C7BB-45CE-AB0D-139C9E5F95B5}" type="datetimeFigureOut">
               <a:rPr lang="en-US" smtClean="0"/>
-              <a:t>10/15/2024</a:t>
+              <a:t>7/28/2025</a:t>
             </a:fld>
             <a:endParaRPr lang="en-US"/>
           </a:p>
@@ -779,7 +779,7 @@
           <a:p>
             <a:fld id="{162AC784-C7BB-45CE-AB0D-139C9E5F95B5}" type="datetimeFigureOut">
               <a:rPr lang="en-US" smtClean="0"/>
-              <a:t>10/15/2024</a:t>
+              <a:t>7/28/2025</a:t>
             </a:fld>
             <a:endParaRPr lang="en-US"/>
           </a:p>
@@ -1025,7 +1025,7 @@
           <a:p>
             <a:fld id="{162AC784-C7BB-45CE-AB0D-139C9E5F95B5}" type="datetimeFigureOut">
               <a:rPr lang="en-US" smtClean="0"/>
-              <a:t>10/15/2024</a:t>
+              <a:t>7/28/2025</a:t>
             </a:fld>
             <a:endParaRPr lang="en-US"/>
           </a:p>
@@ -1257,7 +1257,7 @@
           <a:p>
             <a:fld id="{162AC784-C7BB-45CE-AB0D-139C9E5F95B5}" type="datetimeFigureOut">
               <a:rPr lang="en-US" smtClean="0"/>
-              <a:t>10/15/2024</a:t>
+              <a:t>7/28/2025</a:t>
             </a:fld>
             <a:endParaRPr lang="en-US"/>
           </a:p>
@@ -1624,7 +1624,7 @@
           <a:p>
             <a:fld id="{162AC784-C7BB-45CE-AB0D-139C9E5F95B5}" type="datetimeFigureOut">
               <a:rPr lang="en-US" smtClean="0"/>
-              <a:t>10/15/2024</a:t>
+              <a:t>7/28/2025</a:t>
             </a:fld>
             <a:endParaRPr lang="en-US"/>
           </a:p>
@@ -1742,7 +1742,7 @@
           <a:p>
             <a:fld id="{162AC784-C7BB-45CE-AB0D-139C9E5F95B5}" type="datetimeFigureOut">
               <a:rPr lang="en-US" smtClean="0"/>
-              <a:t>10/15/2024</a:t>
+              <a:t>7/28/2025</a:t>
             </a:fld>
             <a:endParaRPr lang="en-US"/>
           </a:p>
@@ -1837,7 +1837,7 @@
           <a:p>
             <a:fld id="{162AC784-C7BB-45CE-AB0D-139C9E5F95B5}" type="datetimeFigureOut">
               <a:rPr lang="en-US" smtClean="0"/>
-              <a:t>10/15/2024</a:t>
+              <a:t>7/28/2025</a:t>
             </a:fld>
             <a:endParaRPr lang="en-US"/>
           </a:p>
@@ -2114,7 +2114,7 @@
           <a:p>
             <a:fld id="{162AC784-C7BB-45CE-AB0D-139C9E5F95B5}" type="datetimeFigureOut">
               <a:rPr lang="en-US" smtClean="0"/>
-              <a:t>10/15/2024</a:t>
+              <a:t>7/28/2025</a:t>
             </a:fld>
             <a:endParaRPr lang="en-US"/>
           </a:p>
@@ -2371,7 +2371,7 @@
           <a:p>
             <a:fld id="{162AC784-C7BB-45CE-AB0D-139C9E5F95B5}" type="datetimeFigureOut">
               <a:rPr lang="en-US" smtClean="0"/>
-              <a:t>10/15/2024</a:t>
+              <a:t>7/28/2025</a:t>
             </a:fld>
             <a:endParaRPr lang="en-US"/>
           </a:p>
@@ -2584,7 +2584,7 @@
           <a:p>
             <a:fld id="{162AC784-C7BB-45CE-AB0D-139C9E5F95B5}" type="datetimeFigureOut">
               <a:rPr lang="en-US" smtClean="0"/>
-              <a:t>10/15/2024</a:t>
+              <a:t>7/28/2025</a:t>
             </a:fld>
             <a:endParaRPr lang="en-US"/>
           </a:p>
@@ -5499,7 +5499,7 @@
         <p:spPr/>
         <p:txBody>
           <a:bodyPr>
-            <a:normAutofit fontScale="85000" lnSpcReduction="20000"/>
+            <a:normAutofit fontScale="55000" lnSpcReduction="20000"/>
           </a:bodyPr>
           <a:lstStyle/>
           <a:p>
@@ -5521,8 +5521,72 @@
             </a:pPr>
             <a:r>
               <a:rPr lang="en-US" dirty="0"/>
-              <a:t>Matlab 2020b</a:t>
-            </a:r>
+              <a:t>Matlab 2020b and add-on toolboxes:</a:t>
+            </a:r>
+          </a:p>
+          <a:p>
+            <a:pPr marL="914400" lvl="1" indent="-457200">
+              <a:buFont typeface="+mj-lt"/>
+              <a:buAutoNum type="arabicPeriod"/>
+            </a:pPr>
+            <a:r>
+              <a:rPr lang="en-US" dirty="0"/>
+              <a:t>Signal Processing Toolbox</a:t>
+            </a:r>
+          </a:p>
+          <a:p>
+            <a:pPr marL="914400" lvl="1" indent="-457200">
+              <a:buFont typeface="+mj-lt"/>
+              <a:buAutoNum type="arabicPeriod"/>
+            </a:pPr>
+            <a:r>
+              <a:rPr lang="en-US" dirty="0"/>
+              <a:t>Deep Learning Toolbox</a:t>
+            </a:r>
+          </a:p>
+          <a:p>
+            <a:pPr marL="914400" lvl="1" indent="-457200">
+              <a:buFont typeface="+mj-lt"/>
+              <a:buAutoNum type="arabicPeriod"/>
+            </a:pPr>
+            <a:r>
+              <a:rPr lang="en-US" dirty="0"/>
+              <a:t>Image Processing Toolbox</a:t>
+            </a:r>
+          </a:p>
+          <a:p>
+            <a:pPr marL="914400" lvl="1" indent="-457200">
+              <a:buFont typeface="+mj-lt"/>
+              <a:buAutoNum type="arabicPeriod"/>
+            </a:pPr>
+            <a:r>
+              <a:rPr lang="en-US" dirty="0"/>
+              <a:t>Statistics and Machine Learning Toolbox</a:t>
+            </a:r>
+          </a:p>
+          <a:p>
+            <a:pPr marL="914400" lvl="1" indent="-457200">
+              <a:buFont typeface="+mj-lt"/>
+              <a:buAutoNum type="arabicPeriod"/>
+            </a:pPr>
+            <a:r>
+              <a:rPr lang="en-US" dirty="0"/>
+              <a:t>Parallel Computing Toolbox</a:t>
+            </a:r>
+          </a:p>
+          <a:p>
+            <a:pPr marL="971550" lvl="1" indent="-514350">
+              <a:buFont typeface="+mj-lt"/>
+              <a:buAutoNum type="arabicPeriod"/>
+            </a:pPr>
+            <a:endParaRPr lang="en-US" dirty="0"/>
+          </a:p>
+          <a:p>
+            <a:pPr marL="971550" lvl="1" indent="-514350">
+              <a:buFont typeface="+mj-lt"/>
+              <a:buAutoNum type="arabicPeriod"/>
+            </a:pPr>
+            <a:endParaRPr lang="en-US" dirty="0"/>
           </a:p>
           <a:p>
             <a:pPr algn="l">
@@ -5658,12 +5722,8 @@
               <a:buAutoNum type="arabicPeriod"/>
             </a:pPr>
             <a:r>
-              <a:rPr lang="en-US"/>
-              <a:t>    Connectome </a:t>
-            </a:r>
-            <a:r>
               <a:rPr lang="en-US" dirty="0"/>
-              <a:t>Workbench (</a:t>
+              <a:t>    Connectome Workbench (</a:t>
             </a:r>
             <a:r>
               <a:rPr lang="en-US" dirty="0">
